--- a/PP WORK/Instructor Version/Week 2/Week 2 lecture 1 Signals.pptx
+++ b/PP WORK/Instructor Version/Week 2/Week 2 lecture 1 Signals.pptx
@@ -129,7 +129,7 @@
   </p:defaultTextStyle>
   <p:extLst>
     <p:ext uri="{EFAFB233-063F-42B5-8137-9DF3F51BA10A}">
-      <p15:sldGuideLst xmlns:p15="http://schemas.microsoft.com/office/powerpoint/2012/main"/>
+      <p15:sldGuideLst xmlns:p15="http://schemas.microsoft.com/office/powerpoint/2012/main" xmlns=""/>
     </p:ext>
   </p:extLst>
 </p:presentation>
@@ -217,7 +217,7 @@
           <a:p>
             <a:fld id="{18AB4343-410D-4114-8175-E2D7C9308D80}" type="datetimeFigureOut">
               <a:rPr lang="en-US" smtClean="0"/>
-              <a:t>9/30/2024</a:t>
+              <a:t>1/11/2025</a:t>
             </a:fld>
             <a:endParaRPr lang="en-US"/>
           </a:p>
@@ -1595,7 +1595,7 @@
           <a:p>
             <a:fld id="{1D8BD707-D9CF-40AE-B4C6-C98DA3205C09}" type="datetimeFigureOut">
               <a:rPr lang="en-US"/>
-              <a:t>9/30/2024</a:t>
+              <a:t>1/11/2025</a:t>
             </a:fld>
             <a:endParaRPr lang="en-US"/>
           </a:p>
@@ -1765,7 +1765,7 @@
           <a:p>
             <a:fld id="{1D8BD707-D9CF-40AE-B4C6-C98DA3205C09}" type="datetimeFigureOut">
               <a:rPr lang="en-US"/>
-              <a:t>9/30/2024</a:t>
+              <a:t>1/11/2025</a:t>
             </a:fld>
             <a:endParaRPr lang="en-US"/>
           </a:p>
@@ -1978,7 +1978,7 @@
           <a:p>
             <a:fld id="{1D8BD707-D9CF-40AE-B4C6-C98DA3205C09}" type="datetimeFigureOut">
               <a:rPr lang="en-US"/>
-              <a:t>9/30/2024</a:t>
+              <a:t>1/11/2025</a:t>
             </a:fld>
             <a:endParaRPr lang="en-US"/>
           </a:p>
@@ -2125,7 +2125,7 @@
           <a:p>
             <a:fld id="{1D8BD707-D9CF-40AE-B4C6-C98DA3205C09}" type="datetimeFigureOut">
               <a:rPr lang="en-US"/>
-              <a:t>9/30/2024</a:t>
+              <a:t>1/11/2025</a:t>
             </a:fld>
             <a:endParaRPr lang="en-US"/>
           </a:p>
@@ -2198,7 +2198,7 @@
           <p:cNvPr id="2" name="Title 1">
             <a:extLst>
               <a:ext uri="{FF2B5EF4-FFF2-40B4-BE49-F238E27FC236}">
-                <a16:creationId xmlns:a16="http://schemas.microsoft.com/office/drawing/2014/main" id="{8267C4E5-55F7-DB05-186B-06791E1D1784}"/>
+                <a16:creationId xmlns:a16="http://schemas.microsoft.com/office/drawing/2014/main" xmlns="" id="{8267C4E5-55F7-DB05-186B-06791E1D1784}"/>
               </a:ext>
             </a:extLst>
           </p:cNvPr>
@@ -2227,7 +2227,7 @@
           <p:cNvPr id="3" name="Footer Placeholder 2">
             <a:extLst>
               <a:ext uri="{FF2B5EF4-FFF2-40B4-BE49-F238E27FC236}">
-                <a16:creationId xmlns:a16="http://schemas.microsoft.com/office/drawing/2014/main" id="{B3AA35ED-DF99-6958-28FA-33A93BB97722}"/>
+                <a16:creationId xmlns:a16="http://schemas.microsoft.com/office/drawing/2014/main" xmlns="" id="{B3AA35ED-DF99-6958-28FA-33A93BB97722}"/>
               </a:ext>
             </a:extLst>
           </p:cNvPr>
@@ -2252,7 +2252,7 @@
           <p:cNvPr id="4" name="Date Placeholder 3">
             <a:extLst>
               <a:ext uri="{FF2B5EF4-FFF2-40B4-BE49-F238E27FC236}">
-                <a16:creationId xmlns:a16="http://schemas.microsoft.com/office/drawing/2014/main" id="{55503DB0-5264-6061-D4B6-AE3D944FC839}"/>
+                <a16:creationId xmlns:a16="http://schemas.microsoft.com/office/drawing/2014/main" xmlns="" id="{55503DB0-5264-6061-D4B6-AE3D944FC839}"/>
               </a:ext>
             </a:extLst>
           </p:cNvPr>
@@ -2270,7 +2270,7 @@
           <a:p>
             <a:fld id="{1D8BD707-D9CF-40AE-B4C6-C98DA3205C09}" type="datetimeFigureOut">
               <a:rPr lang="en-US" smtClean="0"/>
-              <a:t>9/30/2024</a:t>
+              <a:t>1/11/2025</a:t>
             </a:fld>
             <a:endParaRPr lang="en-US"/>
           </a:p>
@@ -2281,7 +2281,7 @@
           <p:cNvPr id="5" name="Slide Number Placeholder 4">
             <a:extLst>
               <a:ext uri="{FF2B5EF4-FFF2-40B4-BE49-F238E27FC236}">
-                <a16:creationId xmlns:a16="http://schemas.microsoft.com/office/drawing/2014/main" id="{306C615E-9D94-7E15-4EC3-69D6111D00EE}"/>
+                <a16:creationId xmlns:a16="http://schemas.microsoft.com/office/drawing/2014/main" xmlns="" id="{306C615E-9D94-7E15-4EC3-69D6111D00EE}"/>
               </a:ext>
             </a:extLst>
           </p:cNvPr>
@@ -2391,7 +2391,7 @@
           <a:p>
             <a:fld id="{1D8BD707-D9CF-40AE-B4C6-C98DA3205C09}" type="datetimeFigureOut">
               <a:rPr lang="en-US"/>
-              <a:t>9/30/2024</a:t>
+              <a:t>1/11/2025</a:t>
             </a:fld>
             <a:endParaRPr lang="en-US"/>
           </a:p>
@@ -2631,7 +2631,7 @@
           <a:p>
             <a:fld id="{1D8BD707-D9CF-40AE-B4C6-C98DA3205C09}" type="datetimeFigureOut">
               <a:rPr lang="en-US"/>
-              <a:t>9/30/2024</a:t>
+              <a:t>1/11/2025</a:t>
             </a:fld>
             <a:endParaRPr lang="en-US"/>
           </a:p>
@@ -2909,7 +2909,7 @@
                   <a:noFill/>
                 </a:ln>
                 <a:solidFill>
-                  <a:srgbClr val="00B050"/>
+                  <a:srgbClr val="0000FF"/>
                 </a:solidFill>
                 <a:effectLst/>
                 <a:uLnTx/>
@@ -2945,7 +2945,7 @@
                   <a:noFill/>
                 </a:ln>
                 <a:solidFill>
-                  <a:srgbClr val="00B050"/>
+                  <a:srgbClr val="0000FF"/>
                 </a:solidFill>
                 <a:effectLst/>
                 <a:uLnTx/>
@@ -2962,7 +2962,7 @@
                   <a:noFill/>
                 </a:ln>
                 <a:solidFill>
-                  <a:srgbClr val="00B050"/>
+                  <a:srgbClr val="0000FF"/>
                 </a:solidFill>
                 <a:effectLst/>
                 <a:uLnTx/>
@@ -2979,7 +2979,7 @@
                   <a:noFill/>
                 </a:ln>
                 <a:solidFill>
-                  <a:srgbClr val="00B050"/>
+                  <a:srgbClr val="0000FF"/>
                 </a:solidFill>
                 <a:effectLst/>
                 <a:uLnTx/>
@@ -2988,15 +2988,15 @@
                 <a:ea typeface="+mn-ea"/>
                 <a:cs typeface="Arial" pitchFamily="34" charset="0"/>
               </a:rPr>
-              <a:t> 20</a:t>
+              <a:t> </a:t>
             </a:r>
             <a:r>
-              <a:rPr kumimoji="0" lang="en-US" sz="3600" b="1" i="0" u="none" strike="noStrike" kern="1200" cap="none" spc="0" normalizeH="0" baseline="0" noProof="0" dirty="0">
+              <a:rPr kumimoji="0" lang="x-none" sz="3600" b="1" i="0" u="none" strike="noStrike" kern="1200" cap="none" spc="0" normalizeH="0" baseline="0" noProof="0">
                 <a:ln>
                   <a:noFill/>
                 </a:ln>
                 <a:solidFill>
-                  <a:srgbClr val="00B050"/>
+                  <a:srgbClr val="0000FF"/>
                 </a:solidFill>
                 <a:effectLst/>
                 <a:uLnTx/>
@@ -3005,8 +3005,39 @@
                 <a:ea typeface="+mn-ea"/>
                 <a:cs typeface="Arial" pitchFamily="34" charset="0"/>
               </a:rPr>
-              <a:t>2</a:t>
+              <a:t>20</a:t>
             </a:r>
+            <a:r>
+              <a:rPr kumimoji="0" lang="en-US" sz="3600" b="1" i="0" u="none" strike="noStrike" kern="1200" cap="none" spc="0" normalizeH="0" baseline="0" noProof="0" dirty="0" smtClean="0">
+                <a:ln>
+                  <a:noFill/>
+                </a:ln>
+                <a:solidFill>
+                  <a:srgbClr val="0000FF"/>
+                </a:solidFill>
+                <a:effectLst/>
+                <a:uLnTx/>
+                <a:uFillTx/>
+                <a:latin typeface="Arial" pitchFamily="34" charset="0"/>
+                <a:ea typeface="+mn-ea"/>
+                <a:cs typeface="Arial" pitchFamily="34" charset="0"/>
+              </a:rPr>
+              <a:t>2 – Spring 2025</a:t>
+            </a:r>
+            <a:endParaRPr kumimoji="0" lang="en-US" sz="3600" b="1" i="0" u="none" strike="noStrike" kern="1200" cap="none" spc="0" normalizeH="0" baseline="0" noProof="0" dirty="0">
+              <a:ln>
+                <a:noFill/>
+              </a:ln>
+              <a:solidFill>
+                <a:srgbClr val="0000FF"/>
+              </a:solidFill>
+              <a:effectLst/>
+              <a:uLnTx/>
+              <a:uFillTx/>
+              <a:latin typeface="Arial" pitchFamily="34" charset="0"/>
+              <a:ea typeface="+mn-ea"/>
+              <a:cs typeface="Arial" pitchFamily="34" charset="0"/>
+            </a:endParaRPr>
           </a:p>
         </p:txBody>
       </p:sp>
@@ -3015,7 +3046,7 @@
           <p:cNvPr id="2" name="Rectangle 154">
             <a:extLst>
               <a:ext uri="{FF2B5EF4-FFF2-40B4-BE49-F238E27FC236}">
-                <a16:creationId xmlns:a16="http://schemas.microsoft.com/office/drawing/2014/main" id="{2F947556-3899-C3CD-5B16-0CA9CD3E24EC}"/>
+                <a16:creationId xmlns:a16="http://schemas.microsoft.com/office/drawing/2014/main" xmlns="" id="{2F947556-3899-C3CD-5B16-0CA9CD3E24EC}"/>
               </a:ext>
             </a:extLst>
           </p:cNvPr>
@@ -3066,7 +3097,7 @@
             <a:r>
               <a:rPr lang="en-GB" sz="4000" b="1" dirty="0">
                 <a:solidFill>
-                  <a:srgbClr val="0000FF"/>
+                  <a:srgbClr val="00B050"/>
                 </a:solidFill>
                 <a:latin typeface="Cambria" panose="02040503050406030204" pitchFamily="18" charset="0"/>
                 <a:ea typeface="Cambria" panose="02040503050406030204" pitchFamily="18" charset="0"/>
@@ -3079,7 +3110,7 @@
                 <a:noFill/>
               </a:ln>
               <a:solidFill>
-                <a:srgbClr val="0000FF"/>
+                <a:srgbClr val="00B050"/>
               </a:solidFill>
               <a:effectLst/>
               <a:uLnTx/>
@@ -3187,7 +3218,7 @@
                         <m:dPr>
                           <m:ctrlPr>
                             <a:rPr lang="en-US" sz="2400" b="0" i="1" smtClean="0">
-                              <a:latin typeface="Cambria Math" panose="02040503050406030204" pitchFamily="18" charset="0"/>
+                              <a:latin typeface="Cambria Math"/>
                             </a:rPr>
                           </m:ctrlPr>
                         </m:dPr>
@@ -3216,7 +3247,7 @@
                         <m:dPr>
                           <m:ctrlPr>
                             <a:rPr lang="en-US" sz="2400" b="0" i="1" smtClean="0">
-                              <a:latin typeface="Cambria Math" panose="02040503050406030204" pitchFamily="18" charset="0"/>
+                              <a:latin typeface="Cambria Math"/>
                             </a:rPr>
                           </m:ctrlPr>
                         </m:dPr>
@@ -3241,7 +3272,7 @@
                           <m:endChr m:val=""/>
                           <m:ctrlPr>
                             <a:rPr lang="en-US" sz="2400" b="0" i="1" smtClean="0">
-                              <a:latin typeface="Cambria Math" panose="02040503050406030204" pitchFamily="18" charset="0"/>
+                              <a:latin typeface="Cambria Math"/>
                             </a:rPr>
                           </m:ctrlPr>
                         </m:dPr>
@@ -3250,7 +3281,7 @@
                             <m:eqArrPr>
                               <m:ctrlPr>
                                 <a:rPr lang="en-US" sz="2400" b="0" i="1" smtClean="0">
-                                  <a:latin typeface="Cambria Math" panose="02040503050406030204" pitchFamily="18" charset="0"/>
+                                  <a:latin typeface="Cambria Math"/>
                                 </a:rPr>
                               </m:ctrlPr>
                             </m:eqArrPr>
@@ -3419,7 +3450,7 @@
                         <m:dPr>
                           <m:ctrlPr>
                             <a:rPr lang="en-US" sz="2400" b="0" i="1" smtClean="0">
-                              <a:latin typeface="Cambria Math" panose="02040503050406030204" pitchFamily="18" charset="0"/>
+                              <a:latin typeface="Cambria Math"/>
                             </a:rPr>
                           </m:ctrlPr>
                         </m:dPr>
@@ -3448,7 +3479,7 @@
                         <m:dPr>
                           <m:ctrlPr>
                             <a:rPr lang="en-US" sz="2400" b="0" i="1" smtClean="0">
-                              <a:latin typeface="Cambria Math" panose="02040503050406030204" pitchFamily="18" charset="0"/>
+                              <a:latin typeface="Cambria Math"/>
                             </a:rPr>
                           </m:ctrlPr>
                         </m:dPr>
@@ -3473,7 +3504,7 @@
                           <m:endChr m:val=""/>
                           <m:ctrlPr>
                             <a:rPr lang="en-US" sz="2400" b="0" i="1" smtClean="0">
-                              <a:latin typeface="Cambria Math" panose="02040503050406030204" pitchFamily="18" charset="0"/>
+                              <a:latin typeface="Cambria Math"/>
                             </a:rPr>
                           </m:ctrlPr>
                         </m:dPr>
@@ -3482,7 +3513,7 @@
                             <m:eqArrPr>
                               <m:ctrlPr>
                                 <a:rPr lang="en-US" sz="2400" b="0" i="1" smtClean="0">
-                                  <a:latin typeface="Cambria Math" panose="02040503050406030204" pitchFamily="18" charset="0"/>
+                                  <a:latin typeface="Cambria Math"/>
                                 </a:rPr>
                               </m:ctrlPr>
                             </m:eqArrPr>
@@ -3654,7 +3685,7 @@
                               <a:solidFill>
                                 <a:srgbClr val="6600CC"/>
                               </a:solidFill>
-                              <a:latin typeface="Cambria Math" panose="02040503050406030204" pitchFamily="18" charset="0"/>
+                              <a:latin typeface="Cambria Math"/>
                             </a:rPr>
                           </m:ctrlPr>
                         </m:dPr>
@@ -3695,7 +3726,7 @@
                               <a:solidFill>
                                 <a:srgbClr val="6600CC"/>
                               </a:solidFill>
-                              <a:latin typeface="Cambria Math" panose="02040503050406030204" pitchFamily="18" charset="0"/>
+                              <a:latin typeface="Cambria Math"/>
                             </a:rPr>
                           </m:ctrlPr>
                         </m:dPr>
@@ -3729,7 +3760,7 @@
                               <a:solidFill>
                                 <a:srgbClr val="6600CC"/>
                               </a:solidFill>
-                              <a:latin typeface="Cambria Math" panose="02040503050406030204" pitchFamily="18" charset="0"/>
+                              <a:latin typeface="Cambria Math"/>
                             </a:rPr>
                           </m:ctrlPr>
                         </m:dPr>
@@ -3741,7 +3772,7 @@
                                   <a:solidFill>
                                     <a:srgbClr val="6600CC"/>
                                   </a:solidFill>
-                                  <a:latin typeface="Cambria Math" panose="02040503050406030204" pitchFamily="18" charset="0"/>
+                                  <a:latin typeface="Cambria Math"/>
                                 </a:rPr>
                               </m:ctrlPr>
                             </m:eqArrPr>
@@ -5534,7 +5565,7 @@
           <p:cNvPr id="3" name="Group 2">
             <a:extLst>
               <a:ext uri="{FF2B5EF4-FFF2-40B4-BE49-F238E27FC236}">
-                <a16:creationId xmlns:a16="http://schemas.microsoft.com/office/drawing/2014/main" id="{185C2F58-07A3-A768-9CA5-E58688D46950}"/>
+                <a16:creationId xmlns:a16="http://schemas.microsoft.com/office/drawing/2014/main" xmlns="" id="{185C2F58-07A3-A768-9CA5-E58688D46950}"/>
               </a:ext>
             </a:extLst>
           </p:cNvPr>
@@ -5690,7 +5721,7 @@
                           <m:dPr>
                             <m:ctrlPr>
                               <a:rPr lang="en-US" sz="2400" i="1">
-                                <a:latin typeface="Cambria Math" panose="02040503050406030204" pitchFamily="18" charset="0"/>
+                                <a:latin typeface="Cambria Math"/>
                               </a:rPr>
                             </m:ctrlPr>
                           </m:dPr>
@@ -6129,7 +6160,7 @@
           <p:cNvPr id="4" name="Group 3">
             <a:extLst>
               <a:ext uri="{FF2B5EF4-FFF2-40B4-BE49-F238E27FC236}">
-                <a16:creationId xmlns:a16="http://schemas.microsoft.com/office/drawing/2014/main" id="{3FA7E771-734A-BAF4-B0FE-26096219F3BD}"/>
+                <a16:creationId xmlns:a16="http://schemas.microsoft.com/office/drawing/2014/main" xmlns="" id="{3FA7E771-734A-BAF4-B0FE-26096219F3BD}"/>
               </a:ext>
             </a:extLst>
           </p:cNvPr>
@@ -6285,7 +6316,7 @@
                           <m:dPr>
                             <m:ctrlPr>
                               <a:rPr lang="en-US" sz="2400" i="1">
-                                <a:latin typeface="Cambria Math" panose="02040503050406030204" pitchFamily="18" charset="0"/>
+                                <a:latin typeface="Cambria Math"/>
                               </a:rPr>
                             </m:ctrlPr>
                           </m:dPr>
@@ -7048,7 +7079,7 @@
                             <a:solidFill>
                               <a:srgbClr val="6600CC"/>
                             </a:solidFill>
-                            <a:latin typeface="Cambria Math" panose="02040503050406030204" pitchFamily="18" charset="0"/>
+                            <a:latin typeface="Cambria Math"/>
                             <a:ea typeface="Cambria Math" panose="02040503050406030204" pitchFamily="18" charset="0"/>
                           </a:rPr>
                         </m:ctrlPr>
@@ -7109,7 +7140,7 @@
                             <a:solidFill>
                               <a:srgbClr val="6600CC"/>
                             </a:solidFill>
-                            <a:latin typeface="Cambria Math" panose="02040503050406030204" pitchFamily="18" charset="0"/>
+                            <a:latin typeface="Cambria Math"/>
                             <a:ea typeface="Cambria Math" panose="02040503050406030204" pitchFamily="18" charset="0"/>
                           </a:rPr>
                         </m:ctrlPr>
@@ -7368,7 +7399,7 @@
                           <m:dPr>
                             <m:ctrlPr>
                               <a:rPr lang="en-US" sz="2400" i="1">
-                                <a:latin typeface="Cambria Math" panose="02040503050406030204" pitchFamily="18" charset="0"/>
+                                <a:latin typeface="Cambria Math"/>
                               </a:rPr>
                             </m:ctrlPr>
                           </m:dPr>
@@ -8129,7 +8160,7 @@
                           <m:dPr>
                             <m:ctrlPr>
                               <a:rPr lang="en-US" sz="2400" i="1">
-                                <a:latin typeface="Cambria Math" panose="02040503050406030204" pitchFamily="18" charset="0"/>
+                                <a:latin typeface="Cambria Math"/>
                               </a:rPr>
                             </m:ctrlPr>
                           </m:dPr>
@@ -8841,7 +8872,7 @@
                             <a:solidFill>
                               <a:srgbClr val="D60093"/>
                             </a:solidFill>
-                            <a:latin typeface="Cambria Math" panose="02040503050406030204" pitchFamily="18" charset="0"/>
+                            <a:latin typeface="Cambria Math"/>
                             <a:ea typeface="Cambria Math" panose="02040503050406030204" pitchFamily="18" charset="0"/>
                           </a:rPr>
                         </m:ctrlPr>
@@ -8902,7 +8933,7 @@
                             <a:solidFill>
                               <a:srgbClr val="D60093"/>
                             </a:solidFill>
-                            <a:latin typeface="Cambria Math" panose="02040503050406030204" pitchFamily="18" charset="0"/>
+                            <a:latin typeface="Cambria Math"/>
                             <a:ea typeface="Cambria Math" panose="02040503050406030204" pitchFamily="18" charset="0"/>
                           </a:rPr>
                         </m:ctrlPr>
@@ -9533,7 +9564,7 @@
                             <a:solidFill>
                               <a:srgbClr val="6600CC"/>
                             </a:solidFill>
-                            <a:latin typeface="Cambria Math" panose="02040503050406030204" pitchFamily="18" charset="0"/>
+                            <a:latin typeface="Cambria Math"/>
                           </a:rPr>
                         </m:ctrlPr>
                       </m:dPr>
@@ -9567,7 +9598,7 @@
                             <a:solidFill>
                               <a:srgbClr val="6600CC"/>
                             </a:solidFill>
-                            <a:latin typeface="Cambria Math" panose="02040503050406030204" pitchFamily="18" charset="0"/>
+                            <a:latin typeface="Cambria Math"/>
                           </a:rPr>
                         </m:ctrlPr>
                       </m:dPr>
@@ -9579,7 +9610,7 @@
                                 <a:solidFill>
                                   <a:srgbClr val="6600CC"/>
                                 </a:solidFill>
-                                <a:latin typeface="Cambria Math" panose="02040503050406030204" pitchFamily="18" charset="0"/>
+                                <a:latin typeface="Cambria Math"/>
                               </a:rPr>
                             </m:ctrlPr>
                           </m:eqArrPr>
@@ -9641,16 +9672,7 @@
                                 </a:solidFill>
                                 <a:latin typeface="Cambria Math" panose="02040503050406030204" pitchFamily="18" charset="0"/>
                               </a:rPr>
-                              <m:t>∞</m:t>
-                            </m:r>
-                            <m:r>
-                              <a:rPr lang="en-US" sz="2800" b="0" i="1" smtClean="0">
-                                <a:solidFill>
-                                  <a:srgbClr val="6600CC"/>
-                                </a:solidFill>
-                                <a:latin typeface="Cambria Math" panose="02040503050406030204" pitchFamily="18" charset="0"/>
-                              </a:rPr>
-                              <m:t>                </m:t>
+                              <m:t>∞                </m:t>
                             </m:r>
                             <m:r>
                               <a:rPr lang="en-US" sz="2800" b="0" i="1" smtClean="0">
@@ -10137,7 +10159,7 @@
           <p:cNvPr id="3" name="Group 2">
             <a:extLst>
               <a:ext uri="{FF2B5EF4-FFF2-40B4-BE49-F238E27FC236}">
-                <a16:creationId xmlns:a16="http://schemas.microsoft.com/office/drawing/2014/main" id="{11BBF9C3-8759-0746-8613-D26E1860DA8C}"/>
+                <a16:creationId xmlns:a16="http://schemas.microsoft.com/office/drawing/2014/main" xmlns="" id="{11BBF9C3-8759-0746-8613-D26E1860DA8C}"/>
               </a:ext>
             </a:extLst>
           </p:cNvPr>
@@ -10293,7 +10315,7 @@
                           <m:dPr>
                             <m:ctrlPr>
                               <a:rPr lang="en-US" sz="2400" i="1">
-                                <a:latin typeface="Cambria Math" panose="02040503050406030204" pitchFamily="18" charset="0"/>
+                                <a:latin typeface="Cambria Math"/>
                               </a:rPr>
                             </m:ctrlPr>
                           </m:dPr>
@@ -11624,7 +11646,7 @@
                           <m:dPr>
                             <m:ctrlPr>
                               <a:rPr lang="en-US" sz="2000" i="1">
-                                <a:latin typeface="Cambria Math" panose="02040503050406030204" pitchFamily="18" charset="0"/>
+                                <a:latin typeface="Cambria Math"/>
                               </a:rPr>
                             </m:ctrlPr>
                           </m:dPr>
@@ -12156,7 +12178,7 @@
                             <a:solidFill>
                               <a:srgbClr val="6600CC"/>
                             </a:solidFill>
-                            <a:latin typeface="Cambria Math" panose="02040503050406030204" pitchFamily="18" charset="0"/>
+                            <a:latin typeface="Cambria Math"/>
                             <a:ea typeface="Cambria Math" panose="02040503050406030204" pitchFamily="18" charset="0"/>
                           </a:rPr>
                         </m:ctrlPr>
@@ -12237,7 +12259,7 @@
                             <a:solidFill>
                               <a:srgbClr val="6600CC"/>
                             </a:solidFill>
-                            <a:latin typeface="Cambria Math" panose="02040503050406030204" pitchFamily="18" charset="0"/>
+                            <a:latin typeface="Cambria Math"/>
                             <a:ea typeface="Cambria Math" panose="02040503050406030204" pitchFamily="18" charset="0"/>
                           </a:rPr>
                         </m:ctrlPr>
@@ -12308,7 +12330,7 @@
                             <a:solidFill>
                               <a:srgbClr val="6600CC"/>
                             </a:solidFill>
-                            <a:latin typeface="Cambria Math" panose="02040503050406030204" pitchFamily="18" charset="0"/>
+                            <a:latin typeface="Cambria Math"/>
                             <a:ea typeface="Cambria Math" panose="02040503050406030204" pitchFamily="18" charset="0"/>
                           </a:rPr>
                         </m:ctrlPr>
@@ -12764,7 +12786,7 @@
                         <m:dPr>
                           <m:ctrlPr>
                             <a:rPr lang="en-US" sz="2000" i="1">
-                              <a:latin typeface="Cambria Math" panose="02040503050406030204" pitchFamily="18" charset="0"/>
+                              <a:latin typeface="Cambria Math"/>
                             </a:rPr>
                           </m:ctrlPr>
                         </m:dPr>
@@ -13675,7 +13697,7 @@
                             <a:solidFill>
                               <a:srgbClr val="6600CC"/>
                             </a:solidFill>
-                            <a:latin typeface="Cambria Math" panose="02040503050406030204" pitchFamily="18" charset="0"/>
+                            <a:latin typeface="Cambria Math"/>
                             <a:ea typeface="Cambria Math" panose="02040503050406030204" pitchFamily="18" charset="0"/>
                           </a:rPr>
                         </m:ctrlPr>
@@ -13786,7 +13808,7 @@
                             <a:solidFill>
                               <a:srgbClr val="6600CC"/>
                             </a:solidFill>
-                            <a:latin typeface="Cambria Math" panose="02040503050406030204" pitchFamily="18" charset="0"/>
+                            <a:latin typeface="Cambria Math"/>
                             <a:ea typeface="Cambria Math" panose="02040503050406030204" pitchFamily="18" charset="0"/>
                           </a:rPr>
                         </m:ctrlPr>
@@ -14072,7 +14094,7 @@
           <p:cNvPr id="3" name="Group 2">
             <a:extLst>
               <a:ext uri="{FF2B5EF4-FFF2-40B4-BE49-F238E27FC236}">
-                <a16:creationId xmlns:a16="http://schemas.microsoft.com/office/drawing/2014/main" id="{8154AFF4-30AE-5E15-8BD0-005B3EC6D872}"/>
+                <a16:creationId xmlns:a16="http://schemas.microsoft.com/office/drawing/2014/main" xmlns="" id="{8154AFF4-30AE-5E15-8BD0-005B3EC6D872}"/>
               </a:ext>
             </a:extLst>
           </p:cNvPr>
@@ -14228,7 +14250,7 @@
                           <m:dPr>
                             <m:ctrlPr>
                               <a:rPr lang="en-US" sz="2400" i="1">
-                                <a:latin typeface="Cambria Math" panose="02040503050406030204" pitchFamily="18" charset="0"/>
+                                <a:latin typeface="Cambria Math"/>
                               </a:rPr>
                             </m:ctrlPr>
                           </m:dPr>
@@ -16403,7 +16425,7 @@
             <a:r>
               <a:rPr lang="en-US" sz="4000" b="1" dirty="0">
                 <a:solidFill>
-                  <a:srgbClr val="0000FF"/>
+                  <a:srgbClr val="00B050"/>
                 </a:solidFill>
                 <a:latin typeface="Cambria" pitchFamily="18" charset="0"/>
               </a:rPr>
@@ -16545,7 +16567,7 @@
           <p:cNvPr id="5" name="TextBox 4">
             <a:extLst>
               <a:ext uri="{FF2B5EF4-FFF2-40B4-BE49-F238E27FC236}">
-                <a16:creationId xmlns:a16="http://schemas.microsoft.com/office/drawing/2014/main" id="{04C172CD-A494-38A8-CE64-C1D4FED18656}"/>
+                <a16:creationId xmlns:a16="http://schemas.microsoft.com/office/drawing/2014/main" xmlns="" id="{04C172CD-A494-38A8-CE64-C1D4FED18656}"/>
               </a:ext>
             </a:extLst>
           </p:cNvPr>
@@ -16592,7 +16614,7 @@
           <p:cNvPr id="9" name="Rectangle 5">
             <a:extLst>
               <a:ext uri="{FF2B5EF4-FFF2-40B4-BE49-F238E27FC236}">
-                <a16:creationId xmlns:a16="http://schemas.microsoft.com/office/drawing/2014/main" id="{F29AD58E-514F-64E7-176A-7CEF91C60CB1}"/>
+                <a16:creationId xmlns:a16="http://schemas.microsoft.com/office/drawing/2014/main" xmlns="" id="{F29AD58E-514F-64E7-176A-7CEF91C60CB1}"/>
               </a:ext>
             </a:extLst>
           </p:cNvPr>
@@ -17246,7 +17268,7 @@
           <p:cNvPr id="4" name="Rectangle 2">
             <a:extLst>
               <a:ext uri="{FF2B5EF4-FFF2-40B4-BE49-F238E27FC236}">
-                <a16:creationId xmlns:a16="http://schemas.microsoft.com/office/drawing/2014/main" id="{35758053-9DCE-EB85-5FBF-A52503370F77}"/>
+                <a16:creationId xmlns:a16="http://schemas.microsoft.com/office/drawing/2014/main" xmlns="" id="{35758053-9DCE-EB85-5FBF-A52503370F77}"/>
               </a:ext>
             </a:extLst>
           </p:cNvPr>
@@ -17648,7 +17670,7 @@
           <p:cNvPr id="5" name="TextBox 4">
             <a:extLst>
               <a:ext uri="{FF2B5EF4-FFF2-40B4-BE49-F238E27FC236}">
-                <a16:creationId xmlns:a16="http://schemas.microsoft.com/office/drawing/2014/main" id="{04C172CD-A494-38A8-CE64-C1D4FED18656}"/>
+                <a16:creationId xmlns:a16="http://schemas.microsoft.com/office/drawing/2014/main" xmlns="" id="{04C172CD-A494-38A8-CE64-C1D4FED18656}"/>
               </a:ext>
             </a:extLst>
           </p:cNvPr>
@@ -17729,7 +17751,7 @@
         <p:spPr>
           <a:xfrm>
             <a:off x="950647" y="505391"/>
-            <a:ext cx="4834261" cy="901465"/>
+            <a:ext cx="4834261" cy="1015663"/>
           </a:xfrm>
           <a:prstGeom prst="rect">
             <a:avLst/>
@@ -17750,7 +17772,7 @@
             <a:r>
               <a:rPr lang="en-US" sz="4000" b="1" dirty="0">
                 <a:solidFill>
-                  <a:srgbClr val="0000FF"/>
+                  <a:srgbClr val="00B050"/>
                 </a:solidFill>
                 <a:latin typeface="Cambria" pitchFamily="18" charset="0"/>
               </a:rPr>
@@ -17836,7 +17858,7 @@
           <p:cNvPr id="5" name="مربع نص 1">
             <a:extLst>
               <a:ext uri="{FF2B5EF4-FFF2-40B4-BE49-F238E27FC236}">
-                <a16:creationId xmlns:a16="http://schemas.microsoft.com/office/drawing/2014/main" id="{7711DB52-DA0E-C95D-DFAF-CCC7BD2BE49D}"/>
+                <a16:creationId xmlns:a16="http://schemas.microsoft.com/office/drawing/2014/main" xmlns="" id="{7711DB52-DA0E-C95D-DFAF-CCC7BD2BE49D}"/>
               </a:ext>
             </a:extLst>
           </p:cNvPr>
@@ -17846,7 +17868,7 @@
         <p:spPr>
           <a:xfrm>
             <a:off x="885331" y="2862271"/>
-            <a:ext cx="4834261" cy="901465"/>
+            <a:ext cx="4834261" cy="1015663"/>
           </a:xfrm>
           <a:prstGeom prst="rect">
             <a:avLst/>
@@ -17867,7 +17889,7 @@
             <a:r>
               <a:rPr lang="en-US" sz="4000" b="1" dirty="0">
                 <a:solidFill>
-                  <a:srgbClr val="0000FF"/>
+                  <a:srgbClr val="00B050"/>
                 </a:solidFill>
                 <a:latin typeface="Cambria" pitchFamily="18" charset="0"/>
               </a:rPr>
@@ -17881,7 +17903,7 @@
           <p:cNvPr id="6" name="TextBox 5">
             <a:extLst>
               <a:ext uri="{FF2B5EF4-FFF2-40B4-BE49-F238E27FC236}">
-                <a16:creationId xmlns:a16="http://schemas.microsoft.com/office/drawing/2014/main" id="{34183D16-35EC-852C-6B9E-C6ED3DBFD9D3}"/>
+                <a16:creationId xmlns:a16="http://schemas.microsoft.com/office/drawing/2014/main" xmlns="" id="{34183D16-35EC-852C-6B9E-C6ED3DBFD9D3}"/>
               </a:ext>
             </a:extLst>
           </p:cNvPr>
@@ -17979,7 +18001,7 @@
           <p:cNvPr id="7" name="TextBox 6">
             <a:extLst>
               <a:ext uri="{FF2B5EF4-FFF2-40B4-BE49-F238E27FC236}">
-                <a16:creationId xmlns:a16="http://schemas.microsoft.com/office/drawing/2014/main" id="{B66F6C66-435D-19C9-753E-FB43FE2E13B8}"/>
+                <a16:creationId xmlns:a16="http://schemas.microsoft.com/office/drawing/2014/main" xmlns="" id="{B66F6C66-435D-19C9-753E-FB43FE2E13B8}"/>
               </a:ext>
             </a:extLst>
           </p:cNvPr>
@@ -18029,7 +18051,7 @@
           <p:cNvPr id="9" name="مربع نص 1">
             <a:extLst>
               <a:ext uri="{FF2B5EF4-FFF2-40B4-BE49-F238E27FC236}">
-                <a16:creationId xmlns:a16="http://schemas.microsoft.com/office/drawing/2014/main" id="{C21C7ED3-9CF9-F6A0-18E3-82DF544CCBB4}"/>
+                <a16:creationId xmlns:a16="http://schemas.microsoft.com/office/drawing/2014/main" xmlns="" id="{C21C7ED3-9CF9-F6A0-18E3-82DF544CCBB4}"/>
               </a:ext>
             </a:extLst>
           </p:cNvPr>
@@ -18060,7 +18082,7 @@
             <a:r>
               <a:rPr lang="en-US" sz="4000" b="1" dirty="0">
                 <a:solidFill>
-                  <a:srgbClr val="0000FF"/>
+                  <a:srgbClr val="00B050"/>
                 </a:solidFill>
                 <a:latin typeface="Cambria" pitchFamily="18" charset="0"/>
               </a:rPr>
@@ -18132,7 +18154,7 @@
             <a:r>
               <a:rPr lang="en-US" sz="4000" b="1" dirty="0">
                 <a:solidFill>
-                  <a:srgbClr val="0000FF"/>
+                  <a:srgbClr val="00B050"/>
                 </a:solidFill>
                 <a:latin typeface="Cambria" pitchFamily="18" charset="0"/>
               </a:rPr>
@@ -18335,7 +18357,7 @@
             <a:r>
               <a:rPr lang="en-US" sz="4000" b="1" dirty="0">
                 <a:solidFill>
-                  <a:srgbClr val="0000FF"/>
+                  <a:srgbClr val="00B050"/>
                 </a:solidFill>
                 <a:latin typeface="Cambria" panose="02040503050406030204" pitchFamily="18" charset="0"/>
               </a:rPr>
@@ -18518,7 +18540,7 @@
           <p:cNvPr id="3" name="Rectangle: Rounded Corners 2">
             <a:extLst>
               <a:ext uri="{FF2B5EF4-FFF2-40B4-BE49-F238E27FC236}">
-                <a16:creationId xmlns:a16="http://schemas.microsoft.com/office/drawing/2014/main" id="{E4101295-4D1C-A870-7F1A-E881ECCC53D2}"/>
+                <a16:creationId xmlns:a16="http://schemas.microsoft.com/office/drawing/2014/main" xmlns="" id="{E4101295-4D1C-A870-7F1A-E881ECCC53D2}"/>
               </a:ext>
             </a:extLst>
           </p:cNvPr>
@@ -18751,7 +18773,7 @@
           <p:cNvPr id="16" name="Group 15">
             <a:extLst>
               <a:ext uri="{FF2B5EF4-FFF2-40B4-BE49-F238E27FC236}">
-                <a16:creationId xmlns:a16="http://schemas.microsoft.com/office/drawing/2014/main" id="{A8786D6B-C9C3-6EB9-C505-AE0A80EEC985}"/>
+                <a16:creationId xmlns:a16="http://schemas.microsoft.com/office/drawing/2014/main" xmlns="" id="{A8786D6B-C9C3-6EB9-C505-AE0A80EEC985}"/>
               </a:ext>
             </a:extLst>
           </p:cNvPr>
@@ -18873,7 +18895,7 @@
             <p:cNvPr id="4" name="Arrow: Right 3">
               <a:extLst>
                 <a:ext uri="{FF2B5EF4-FFF2-40B4-BE49-F238E27FC236}">
-                  <a16:creationId xmlns:a16="http://schemas.microsoft.com/office/drawing/2014/main" id="{F00136D0-CE12-3376-4F1D-175D2D1D25E5}"/>
+                  <a16:creationId xmlns:a16="http://schemas.microsoft.com/office/drawing/2014/main" xmlns="" id="{F00136D0-CE12-3376-4F1D-175D2D1D25E5}"/>
                 </a:ext>
               </a:extLst>
             </p:cNvPr>
@@ -18928,7 +18950,7 @@
           <p:cNvPr id="10" name="Group 9">
             <a:extLst>
               <a:ext uri="{FF2B5EF4-FFF2-40B4-BE49-F238E27FC236}">
-                <a16:creationId xmlns:a16="http://schemas.microsoft.com/office/drawing/2014/main" id="{703DE303-43D0-71AA-964B-FC34CCB917FA}"/>
+                <a16:creationId xmlns:a16="http://schemas.microsoft.com/office/drawing/2014/main" xmlns="" id="{703DE303-43D0-71AA-964B-FC34CCB917FA}"/>
               </a:ext>
             </a:extLst>
           </p:cNvPr>
@@ -19050,7 +19072,7 @@
             <p:cNvPr id="6" name="Arrow: Right 5">
               <a:extLst>
                 <a:ext uri="{FF2B5EF4-FFF2-40B4-BE49-F238E27FC236}">
-                  <a16:creationId xmlns:a16="http://schemas.microsoft.com/office/drawing/2014/main" id="{6CB3E815-D72D-EF4E-4A2F-CF6D194423E1}"/>
+                  <a16:creationId xmlns:a16="http://schemas.microsoft.com/office/drawing/2014/main" xmlns="" id="{6CB3E815-D72D-EF4E-4A2F-CF6D194423E1}"/>
                 </a:ext>
               </a:extLst>
             </p:cNvPr>
@@ -19475,7 +19497,7 @@
           <p:cNvPr id="9" name="Picture 8">
             <a:extLst>
               <a:ext uri="{FF2B5EF4-FFF2-40B4-BE49-F238E27FC236}">
-                <a16:creationId xmlns:a16="http://schemas.microsoft.com/office/drawing/2014/main" id="{0A1E20A4-7CDD-8D91-583E-DEC0D7AD2BB9}"/>
+                <a16:creationId xmlns:a16="http://schemas.microsoft.com/office/drawing/2014/main" xmlns="" id="{0A1E20A4-7CDD-8D91-583E-DEC0D7AD2BB9}"/>
               </a:ext>
             </a:extLst>
           </p:cNvPr>
@@ -20369,7 +20391,7 @@
   <a:extraClrSchemeLst/>
   <a:extLst>
     <a:ext uri="{05A4C25C-085E-4340-85A3-A5531E510DB2}">
-      <thm15:themeFamily xmlns:thm15="http://schemas.microsoft.com/office/thememl/2012/main" name="Office Theme" id="{62F939B6-93AF-4DB8-9C6B-D6C7DFDC589F}" vid="{4A3C46E8-61CC-4603-A589-7422A47A8E4A}"/>
+      <thm15:themeFamily xmlns:thm15="http://schemas.microsoft.com/office/thememl/2012/main" xmlns="" name="Office Theme" id="{62F939B6-93AF-4DB8-9C6B-D6C7DFDC589F}" vid="{4A3C46E8-61CC-4603-A589-7422A47A8E4A}"/>
     </a:ext>
   </a:extLst>
 </a:theme>

--- a/PP WORK/Instructor Version/Week 2/Week 2 lecture 1 Signals.pptx
+++ b/PP WORK/Instructor Version/Week 2/Week 2 lecture 1 Signals.pptx
@@ -5,7 +5,7 @@
     <p:sldMasterId id="2147483660" r:id="rId1"/>
   </p:sldMasterIdLst>
   <p:notesMasterIdLst>
-    <p:notesMasterId r:id="rId23"/>
+    <p:notesMasterId r:id="rId25"/>
   </p:notesMasterIdLst>
   <p:sldIdLst>
     <p:sldId id="279" r:id="rId2"/>
@@ -14,21 +14,23 @@
     <p:sldId id="283" r:id="rId5"/>
     <p:sldId id="280" r:id="rId6"/>
     <p:sldId id="264" r:id="rId7"/>
-    <p:sldId id="265" r:id="rId8"/>
-    <p:sldId id="266" r:id="rId9"/>
-    <p:sldId id="267" r:id="rId10"/>
-    <p:sldId id="268" r:id="rId11"/>
-    <p:sldId id="269" r:id="rId12"/>
-    <p:sldId id="270" r:id="rId13"/>
-    <p:sldId id="271" r:id="rId14"/>
-    <p:sldId id="272" r:id="rId15"/>
-    <p:sldId id="273" r:id="rId16"/>
-    <p:sldId id="274" r:id="rId17"/>
-    <p:sldId id="275" r:id="rId18"/>
-    <p:sldId id="276" r:id="rId19"/>
-    <p:sldId id="277" r:id="rId20"/>
-    <p:sldId id="278" r:id="rId21"/>
-    <p:sldId id="282" r:id="rId22"/>
+    <p:sldId id="284" r:id="rId8"/>
+    <p:sldId id="265" r:id="rId9"/>
+    <p:sldId id="266" r:id="rId10"/>
+    <p:sldId id="267" r:id="rId11"/>
+    <p:sldId id="268" r:id="rId12"/>
+    <p:sldId id="269" r:id="rId13"/>
+    <p:sldId id="285" r:id="rId14"/>
+    <p:sldId id="270" r:id="rId15"/>
+    <p:sldId id="271" r:id="rId16"/>
+    <p:sldId id="272" r:id="rId17"/>
+    <p:sldId id="273" r:id="rId18"/>
+    <p:sldId id="274" r:id="rId19"/>
+    <p:sldId id="275" r:id="rId20"/>
+    <p:sldId id="276" r:id="rId21"/>
+    <p:sldId id="277" r:id="rId22"/>
+    <p:sldId id="278" r:id="rId23"/>
+    <p:sldId id="282" r:id="rId24"/>
   </p:sldIdLst>
   <p:sldSz cx="12192000" cy="6858000"/>
   <p:notesSz cx="6858000" cy="9144000"/>
@@ -129,7 +131,7 @@
   </p:defaultTextStyle>
   <p:extLst>
     <p:ext uri="{EFAFB233-063F-42B5-8137-9DF3F51BA10A}">
-      <p15:sldGuideLst xmlns:p15="http://schemas.microsoft.com/office/powerpoint/2012/main" xmlns=""/>
+      <p15:sldGuideLst xmlns="" xmlns:p15="http://schemas.microsoft.com/office/powerpoint/2012/main"/>
     </p:ext>
   </p:extLst>
 </p:presentation>
@@ -217,7 +219,7 @@
           <a:p>
             <a:fld id="{18AB4343-410D-4114-8175-E2D7C9308D80}" type="datetimeFigureOut">
               <a:rPr lang="en-US" smtClean="0"/>
-              <a:t>1/11/2025</a:t>
+              <a:t>1/13/2025</a:t>
             </a:fld>
             <a:endParaRPr lang="en-US"/>
           </a:p>
@@ -636,7 +638,91 @@
           <a:p>
             <a:fld id="{972FA3FF-23C3-4E75-88F6-673CF187F7E6}" type="slidenum">
               <a:rPr lang="en-US" smtClean="0"/>
-              <a:t>18</a:t>
+              <a:t>17</a:t>
+            </a:fld>
+            <a:endParaRPr lang="en-US"/>
+          </a:p>
+        </p:txBody>
+      </p:sp>
+    </p:spTree>
+    <p:extLst>
+      <p:ext uri="{BB962C8B-B14F-4D97-AF65-F5344CB8AC3E}">
+        <p14:creationId xmlns:p14="http://schemas.microsoft.com/office/powerpoint/2010/main" val="3494766259"/>
+      </p:ext>
+    </p:extLst>
+  </p:cSld>
+  <p:clrMapOvr>
+    <a:masterClrMapping/>
+  </p:clrMapOvr>
+</p:notes>
+</file>
+
+<file path=ppt/notesSlides/notesSlide11.xml><?xml version="1.0" encoding="utf-8"?>
+<p:notes xmlns:a="http://schemas.openxmlformats.org/drawingml/2006/main" xmlns:r="http://schemas.openxmlformats.org/officeDocument/2006/relationships" xmlns:p="http://schemas.openxmlformats.org/presentationml/2006/main">
+  <p:cSld>
+    <p:spTree>
+      <p:nvGrpSpPr>
+        <p:cNvPr id="1" name=""/>
+        <p:cNvGrpSpPr/>
+        <p:nvPr/>
+      </p:nvGrpSpPr>
+      <p:grpSpPr>
+        <a:xfrm>
+          <a:off x="0" y="0"/>
+          <a:ext cx="0" cy="0"/>
+          <a:chOff x="0" y="0"/>
+          <a:chExt cx="0" cy="0"/>
+        </a:xfrm>
+      </p:grpSpPr>
+      <p:sp>
+        <p:nvSpPr>
+          <p:cNvPr id="2" name="Slide Image Placeholder 1"/>
+          <p:cNvSpPr>
+            <a:spLocks noGrp="1" noRot="1" noChangeAspect="1"/>
+          </p:cNvSpPr>
+          <p:nvPr>
+            <p:ph type="sldImg"/>
+          </p:nvPr>
+        </p:nvSpPr>
+        <p:spPr/>
+      </p:sp>
+      <p:sp>
+        <p:nvSpPr>
+          <p:cNvPr id="3" name="Notes Placeholder 2"/>
+          <p:cNvSpPr>
+            <a:spLocks noGrp="1"/>
+          </p:cNvSpPr>
+          <p:nvPr>
+            <p:ph type="body" idx="1"/>
+          </p:nvPr>
+        </p:nvSpPr>
+        <p:spPr/>
+        <p:txBody>
+          <a:bodyPr/>
+          <a:lstStyle/>
+          <a:p>
+            <a:endParaRPr lang="en-US" dirty="0"/>
+          </a:p>
+        </p:txBody>
+      </p:sp>
+      <p:sp>
+        <p:nvSpPr>
+          <p:cNvPr id="4" name="Slide Number Placeholder 3"/>
+          <p:cNvSpPr>
+            <a:spLocks noGrp="1"/>
+          </p:cNvSpPr>
+          <p:nvPr>
+            <p:ph type="sldNum" sz="quarter" idx="10"/>
+          </p:nvPr>
+        </p:nvSpPr>
+        <p:spPr/>
+        <p:txBody>
+          <a:bodyPr/>
+          <a:lstStyle/>
+          <a:p>
+            <a:fld id="{972FA3FF-23C3-4E75-88F6-673CF187F7E6}" type="slidenum">
+              <a:rPr lang="en-US" smtClean="0"/>
+              <a:t>20</a:t>
             </a:fld>
             <a:endParaRPr lang="en-US"/>
           </a:p>
@@ -1164,7 +1250,127 @@
           <a:bodyPr/>
           <a:lstStyle/>
           <a:p>
-            <a:endParaRPr lang="en-US" dirty="0"/>
+            <a:endParaRPr lang="en-US" sz="1800" dirty="0"/>
+          </a:p>
+          <a:p>
+            <a:r>
+              <a:rPr lang="en-US" sz="1800" dirty="0">
+                <a:solidFill>
+                  <a:schemeClr val="tx1"/>
+                </a:solidFill>
+              </a:rPr>
+              <a:t>And </a:t>
+            </a:r>
+            <a:r>
+              <a:rPr lang="en-US" sz="1800" b="1" dirty="0">
+                <a:solidFill>
+                  <a:schemeClr val="tx1"/>
+                </a:solidFill>
+              </a:rPr>
+              <a:t>Quantitative data</a:t>
+            </a:r>
+            <a:r>
+              <a:rPr lang="en-US" sz="1800" dirty="0">
+                <a:solidFill>
+                  <a:schemeClr val="tx1"/>
+                </a:solidFill>
+              </a:rPr>
+              <a:t> can also be </a:t>
+            </a:r>
+            <a:r>
+              <a:rPr lang="en-US" sz="1800" u="none" dirty="0">
+                <a:solidFill>
+                  <a:schemeClr val="tx1"/>
+                </a:solidFill>
+              </a:rPr>
+              <a:t>Discrete or Continuous</a:t>
+            </a:r>
+            <a:r>
+              <a:rPr lang="en-US" sz="1800" dirty="0">
+                <a:solidFill>
+                  <a:schemeClr val="tx1"/>
+                </a:solidFill>
+              </a:rPr>
+              <a:t>:</a:t>
+            </a:r>
+          </a:p>
+          <a:p>
+            <a:r>
+              <a:rPr lang="en-US" sz="1800" b="1" dirty="0">
+                <a:solidFill>
+                  <a:schemeClr val="tx1"/>
+                </a:solidFill>
+              </a:rPr>
+              <a:t>Discrete data</a:t>
+            </a:r>
+            <a:r>
+              <a:rPr lang="en-US" sz="1800" dirty="0">
+                <a:solidFill>
+                  <a:schemeClr val="tx1"/>
+                </a:solidFill>
+              </a:rPr>
+              <a:t> can only take certain values (like whole numbers)</a:t>
+            </a:r>
+          </a:p>
+          <a:p>
+            <a:r>
+              <a:rPr lang="en-US" sz="1800" b="1" dirty="0">
+                <a:solidFill>
+                  <a:schemeClr val="tx1"/>
+                </a:solidFill>
+              </a:rPr>
+              <a:t>Continuous data</a:t>
+            </a:r>
+            <a:r>
+              <a:rPr lang="en-US" sz="1800" dirty="0">
+                <a:solidFill>
+                  <a:schemeClr val="tx1"/>
+                </a:solidFill>
+              </a:rPr>
+              <a:t> can take any value (within a range) </a:t>
+            </a:r>
+          </a:p>
+          <a:p>
+            <a:r>
+              <a:rPr lang="en-US" sz="1800" dirty="0">
+                <a:solidFill>
+                  <a:schemeClr val="tx1"/>
+                </a:solidFill>
+              </a:rPr>
+              <a:t>Put simply: </a:t>
+            </a:r>
+            <a:r>
+              <a:rPr lang="en-US" sz="1800" b="1" dirty="0">
+                <a:solidFill>
+                  <a:schemeClr val="tx1"/>
+                </a:solidFill>
+              </a:rPr>
+              <a:t>Discrete data</a:t>
+            </a:r>
+            <a:r>
+              <a:rPr lang="en-US" sz="1800" dirty="0">
+                <a:solidFill>
+                  <a:schemeClr val="tx1"/>
+                </a:solidFill>
+              </a:rPr>
+              <a:t> is counted, </a:t>
+            </a:r>
+            <a:r>
+              <a:rPr lang="en-US" sz="1800" b="1" dirty="0">
+                <a:solidFill>
+                  <a:schemeClr val="tx1"/>
+                </a:solidFill>
+              </a:rPr>
+              <a:t>Continuous data</a:t>
+            </a:r>
+            <a:r>
+              <a:rPr lang="en-US" sz="1800" dirty="0">
+                <a:solidFill>
+                  <a:schemeClr val="tx1"/>
+                </a:solidFill>
+              </a:rPr>
+              <a:t> is measured </a:t>
+            </a:r>
           </a:p>
         </p:txBody>
       </p:sp>
@@ -1194,7 +1400,7 @@
     </p:spTree>
     <p:extLst>
       <p:ext uri="{BB962C8B-B14F-4D97-AF65-F5344CB8AC3E}">
-        <p14:creationId xmlns:p14="http://schemas.microsoft.com/office/powerpoint/2010/main" val="537203446"/>
+        <p14:creationId xmlns:p14="http://schemas.microsoft.com/office/powerpoint/2010/main" val="2271513929"/>
       </p:ext>
     </p:extLst>
   </p:cSld>
@@ -1269,7 +1475,7 @@
           <a:p>
             <a:fld id="{972FA3FF-23C3-4E75-88F6-673CF187F7E6}" type="slidenum">
               <a:rPr lang="en-US" smtClean="0"/>
-              <a:t>13</a:t>
+              <a:t>8</a:t>
             </a:fld>
             <a:endParaRPr lang="en-US"/>
           </a:p>
@@ -1278,7 +1484,7 @@
     </p:spTree>
     <p:extLst>
       <p:ext uri="{BB962C8B-B14F-4D97-AF65-F5344CB8AC3E}">
-        <p14:creationId xmlns:p14="http://schemas.microsoft.com/office/powerpoint/2010/main" val="3571402980"/>
+        <p14:creationId xmlns:p14="http://schemas.microsoft.com/office/powerpoint/2010/main" val="537203446"/>
       </p:ext>
     </p:extLst>
   </p:cSld>
@@ -1353,7 +1559,7 @@
           <a:p>
             <a:fld id="{972FA3FF-23C3-4E75-88F6-673CF187F7E6}" type="slidenum">
               <a:rPr lang="en-US" smtClean="0"/>
-              <a:t>14</a:t>
+              <a:t>15</a:t>
             </a:fld>
             <a:endParaRPr lang="en-US"/>
           </a:p>
@@ -1362,7 +1568,7 @@
     </p:spTree>
     <p:extLst>
       <p:ext uri="{BB962C8B-B14F-4D97-AF65-F5344CB8AC3E}">
-        <p14:creationId xmlns:p14="http://schemas.microsoft.com/office/powerpoint/2010/main" val="3567314056"/>
+        <p14:creationId xmlns:p14="http://schemas.microsoft.com/office/powerpoint/2010/main" val="3571402980"/>
       </p:ext>
     </p:extLst>
   </p:cSld>
@@ -1437,7 +1643,7 @@
           <a:p>
             <a:fld id="{972FA3FF-23C3-4E75-88F6-673CF187F7E6}" type="slidenum">
               <a:rPr lang="en-US" smtClean="0"/>
-              <a:t>15</a:t>
+              <a:t>16</a:t>
             </a:fld>
             <a:endParaRPr lang="en-US"/>
           </a:p>
@@ -1446,7 +1652,7 @@
     </p:spTree>
     <p:extLst>
       <p:ext uri="{BB962C8B-B14F-4D97-AF65-F5344CB8AC3E}">
-        <p14:creationId xmlns:p14="http://schemas.microsoft.com/office/powerpoint/2010/main" val="3494766259"/>
+        <p14:creationId xmlns:p14="http://schemas.microsoft.com/office/powerpoint/2010/main" val="3567314056"/>
       </p:ext>
     </p:extLst>
   </p:cSld>
@@ -1595,7 +1801,7 @@
           <a:p>
             <a:fld id="{1D8BD707-D9CF-40AE-B4C6-C98DA3205C09}" type="datetimeFigureOut">
               <a:rPr lang="en-US"/>
-              <a:t>1/11/2025</a:t>
+              <a:t>1/13/2025</a:t>
             </a:fld>
             <a:endParaRPr lang="en-US"/>
           </a:p>
@@ -1765,7 +1971,7 @@
           <a:p>
             <a:fld id="{1D8BD707-D9CF-40AE-B4C6-C98DA3205C09}" type="datetimeFigureOut">
               <a:rPr lang="en-US"/>
-              <a:t>1/11/2025</a:t>
+              <a:t>1/13/2025</a:t>
             </a:fld>
             <a:endParaRPr lang="en-US"/>
           </a:p>
@@ -1978,7 +2184,7 @@
           <a:p>
             <a:fld id="{1D8BD707-D9CF-40AE-B4C6-C98DA3205C09}" type="datetimeFigureOut">
               <a:rPr lang="en-US"/>
-              <a:t>1/11/2025</a:t>
+              <a:t>1/13/2025</a:t>
             </a:fld>
             <a:endParaRPr lang="en-US"/>
           </a:p>
@@ -2125,7 +2331,7 @@
           <a:p>
             <a:fld id="{1D8BD707-D9CF-40AE-B4C6-C98DA3205C09}" type="datetimeFigureOut">
               <a:rPr lang="en-US"/>
-              <a:t>1/11/2025</a:t>
+              <a:t>1/13/2025</a:t>
             </a:fld>
             <a:endParaRPr lang="en-US"/>
           </a:p>
@@ -2198,7 +2404,7 @@
           <p:cNvPr id="2" name="Title 1">
             <a:extLst>
               <a:ext uri="{FF2B5EF4-FFF2-40B4-BE49-F238E27FC236}">
-                <a16:creationId xmlns:a16="http://schemas.microsoft.com/office/drawing/2014/main" xmlns="" id="{8267C4E5-55F7-DB05-186B-06791E1D1784}"/>
+                <a16:creationId xmlns="" xmlns:a16="http://schemas.microsoft.com/office/drawing/2014/main" id="{8267C4E5-55F7-DB05-186B-06791E1D1784}"/>
               </a:ext>
             </a:extLst>
           </p:cNvPr>
@@ -2227,7 +2433,7 @@
           <p:cNvPr id="3" name="Footer Placeholder 2">
             <a:extLst>
               <a:ext uri="{FF2B5EF4-FFF2-40B4-BE49-F238E27FC236}">
-                <a16:creationId xmlns:a16="http://schemas.microsoft.com/office/drawing/2014/main" xmlns="" id="{B3AA35ED-DF99-6958-28FA-33A93BB97722}"/>
+                <a16:creationId xmlns="" xmlns:a16="http://schemas.microsoft.com/office/drawing/2014/main" id="{B3AA35ED-DF99-6958-28FA-33A93BB97722}"/>
               </a:ext>
             </a:extLst>
           </p:cNvPr>
@@ -2252,7 +2458,7 @@
           <p:cNvPr id="4" name="Date Placeholder 3">
             <a:extLst>
               <a:ext uri="{FF2B5EF4-FFF2-40B4-BE49-F238E27FC236}">
-                <a16:creationId xmlns:a16="http://schemas.microsoft.com/office/drawing/2014/main" xmlns="" id="{55503DB0-5264-6061-D4B6-AE3D944FC839}"/>
+                <a16:creationId xmlns="" xmlns:a16="http://schemas.microsoft.com/office/drawing/2014/main" id="{55503DB0-5264-6061-D4B6-AE3D944FC839}"/>
               </a:ext>
             </a:extLst>
           </p:cNvPr>
@@ -2270,7 +2476,7 @@
           <a:p>
             <a:fld id="{1D8BD707-D9CF-40AE-B4C6-C98DA3205C09}" type="datetimeFigureOut">
               <a:rPr lang="en-US" smtClean="0"/>
-              <a:t>1/11/2025</a:t>
+              <a:t>1/13/2025</a:t>
             </a:fld>
             <a:endParaRPr lang="en-US"/>
           </a:p>
@@ -2281,7 +2487,7 @@
           <p:cNvPr id="5" name="Slide Number Placeholder 4">
             <a:extLst>
               <a:ext uri="{FF2B5EF4-FFF2-40B4-BE49-F238E27FC236}">
-                <a16:creationId xmlns:a16="http://schemas.microsoft.com/office/drawing/2014/main" xmlns="" id="{306C615E-9D94-7E15-4EC3-69D6111D00EE}"/>
+                <a16:creationId xmlns="" xmlns:a16="http://schemas.microsoft.com/office/drawing/2014/main" id="{306C615E-9D94-7E15-4EC3-69D6111D00EE}"/>
               </a:ext>
             </a:extLst>
           </p:cNvPr>
@@ -2391,7 +2597,7 @@
           <a:p>
             <a:fld id="{1D8BD707-D9CF-40AE-B4C6-C98DA3205C09}" type="datetimeFigureOut">
               <a:rPr lang="en-US"/>
-              <a:t>1/11/2025</a:t>
+              <a:t>1/13/2025</a:t>
             </a:fld>
             <a:endParaRPr lang="en-US"/>
           </a:p>
@@ -2631,7 +2837,7 @@
           <a:p>
             <a:fld id="{1D8BD707-D9CF-40AE-B4C6-C98DA3205C09}" type="datetimeFigureOut">
               <a:rPr lang="en-US"/>
-              <a:t>1/11/2025</a:t>
+              <a:t>1/13/2025</a:t>
             </a:fld>
             <a:endParaRPr lang="en-US"/>
           </a:p>
@@ -3046,7 +3252,7 @@
           <p:cNvPr id="2" name="Rectangle 154">
             <a:extLst>
               <a:ext uri="{FF2B5EF4-FFF2-40B4-BE49-F238E27FC236}">
-                <a16:creationId xmlns:a16="http://schemas.microsoft.com/office/drawing/2014/main" xmlns="" id="{2F947556-3899-C3CD-5B16-0CA9CD3E24EC}"/>
+                <a16:creationId xmlns="" xmlns:a16="http://schemas.microsoft.com/office/drawing/2014/main" id="{2F947556-3899-C3CD-5B16-0CA9CD3E24EC}"/>
               </a:ext>
             </a:extLst>
           </p:cNvPr>
@@ -3136,6 +3342,208 @@
 </file>
 
 <file path=ppt/slides/slide10.xml><?xml version="1.0" encoding="utf-8"?>
+<p:sld xmlns:a="http://schemas.openxmlformats.org/drawingml/2006/main" xmlns:r="http://schemas.openxmlformats.org/officeDocument/2006/relationships" xmlns:p="http://schemas.openxmlformats.org/presentationml/2006/main">
+  <p:cSld>
+    <p:spTree>
+      <p:nvGrpSpPr>
+        <p:cNvPr id="1" name=""/>
+        <p:cNvGrpSpPr/>
+        <p:nvPr/>
+      </p:nvGrpSpPr>
+      <p:grpSpPr>
+        <a:xfrm>
+          <a:off x="0" y="0"/>
+          <a:ext cx="0" cy="0"/>
+          <a:chOff x="0" y="0"/>
+          <a:chExt cx="0" cy="0"/>
+        </a:xfrm>
+      </p:grpSpPr>
+      <p:sp>
+        <p:nvSpPr>
+          <p:cNvPr id="7" name="TextBox 6"/>
+          <p:cNvSpPr txBox="1"/>
+          <p:nvPr/>
+        </p:nvSpPr>
+        <p:spPr>
+          <a:xfrm>
+            <a:off x="908714" y="646061"/>
+            <a:ext cx="5306196" cy="707886"/>
+          </a:xfrm>
+          <a:prstGeom prst="rect">
+            <a:avLst/>
+          </a:prstGeom>
+          <a:noFill/>
+        </p:spPr>
+        <p:txBody>
+          <a:bodyPr wrap="none" rtlCol="0">
+            <a:spAutoFit/>
+          </a:bodyPr>
+          <a:lstStyle>
+            <a:defPPr>
+              <a:defRPr lang="en-US"/>
+            </a:defPPr>
+            <a:lvl1pPr>
+              <a:defRPr sz="4000" b="1">
+                <a:solidFill>
+                  <a:srgbClr val="0000FF"/>
+                </a:solidFill>
+                <a:latin typeface="Cambria" panose="02040503050406030204" pitchFamily="18" charset="0"/>
+              </a:defRPr>
+            </a:lvl1pPr>
+          </a:lstStyle>
+          <a:p>
+            <a:r>
+              <a:rPr lang="en-US" dirty="0">
+                <a:solidFill>
+                  <a:srgbClr val="00B050"/>
+                </a:solidFill>
+              </a:rPr>
+              <a:t>Flipped Step Function</a:t>
+            </a:r>
+            <a:endParaRPr lang="ar-EG" dirty="0">
+              <a:solidFill>
+                <a:srgbClr val="00B050"/>
+              </a:solidFill>
+            </a:endParaRPr>
+          </a:p>
+        </p:txBody>
+      </p:sp>
+      <p:pic>
+        <p:nvPicPr>
+          <p:cNvPr id="11" name="Picture 10"/>
+          <p:cNvPicPr>
+            <a:picLocks noChangeAspect="1"/>
+          </p:cNvPicPr>
+          <p:nvPr/>
+        </p:nvPicPr>
+        <p:blipFill>
+          <a:blip r:embed="rId2" cstate="print">
+            <a:extLst>
+              <a:ext uri="{28A0092B-C50C-407E-A947-70E740481C1C}">
+                <a14:useLocalDpi xmlns:a14="http://schemas.microsoft.com/office/drawing/2010/main" val="0"/>
+              </a:ext>
+            </a:extLst>
+          </a:blip>
+          <a:stretch>
+            <a:fillRect/>
+          </a:stretch>
+        </p:blipFill>
+        <p:spPr>
+          <a:xfrm>
+            <a:off x="3702493" y="3238526"/>
+            <a:ext cx="5248764" cy="3250216"/>
+          </a:xfrm>
+          <a:prstGeom prst="rect">
+            <a:avLst/>
+          </a:prstGeom>
+        </p:spPr>
+      </p:pic>
+      <p:sp>
+        <p:nvSpPr>
+          <p:cNvPr id="6" name="Rectangle 5"/>
+          <p:cNvSpPr/>
+          <p:nvPr/>
+        </p:nvSpPr>
+        <p:spPr>
+          <a:xfrm>
+            <a:off x="790960" y="1472421"/>
+            <a:ext cx="9781099" cy="1293687"/>
+          </a:xfrm>
+          <a:prstGeom prst="rect">
+            <a:avLst/>
+          </a:prstGeom>
+        </p:spPr>
+        <p:txBody>
+          <a:bodyPr wrap="square">
+            <a:spAutoFit/>
+          </a:bodyPr>
+          <a:lstStyle/>
+          <a:p>
+            <a:pPr algn="ctr">
+              <a:lnSpc>
+                <a:spcPct val="150000"/>
+              </a:lnSpc>
+            </a:pPr>
+            <a:r>
+              <a:rPr lang="en-US" sz="2400" dirty="0">
+                <a:latin typeface="Cambria" panose="02040503050406030204" pitchFamily="18" charset="0"/>
+              </a:rPr>
+              <a:t>In flipped step function, the step takes on the value of unity for time </a:t>
+            </a:r>
+            <a:r>
+              <a:rPr lang="en-US" sz="2400" i="1" dirty="0" err="1">
+                <a:latin typeface="Cambria" panose="02040503050406030204" pitchFamily="18" charset="0"/>
+              </a:rPr>
+              <a:t>t≤T</a:t>
+            </a:r>
+            <a:r>
+              <a:rPr lang="en-US" sz="2400" dirty="0">
+                <a:latin typeface="Cambria" panose="02040503050406030204" pitchFamily="18" charset="0"/>
+              </a:rPr>
+              <a:t>. </a:t>
+            </a:r>
+          </a:p>
+          <a:p>
+            <a:pPr algn="ctr">
+              <a:lnSpc>
+                <a:spcPct val="150000"/>
+              </a:lnSpc>
+            </a:pPr>
+            <a:r>
+              <a:rPr lang="en-US" sz="3200" i="1" dirty="0">
+                <a:solidFill>
+                  <a:srgbClr val="6600CC"/>
+                </a:solidFill>
+                <a:latin typeface="Cambria" panose="02040503050406030204" pitchFamily="18" charset="0"/>
+              </a:rPr>
+              <a:t>f(t)=u(T-t)</a:t>
+            </a:r>
+            <a:endParaRPr lang="en-US" sz="2400" dirty="0">
+              <a:solidFill>
+                <a:srgbClr val="6600CC"/>
+              </a:solidFill>
+              <a:latin typeface="Cambria" panose="02040503050406030204" pitchFamily="18" charset="0"/>
+            </a:endParaRPr>
+          </a:p>
+        </p:txBody>
+      </p:sp>
+      <p:sp>
+        <p:nvSpPr>
+          <p:cNvPr id="2" name="Slide Number Placeholder 1"/>
+          <p:cNvSpPr>
+            <a:spLocks noGrp="1"/>
+          </p:cNvSpPr>
+          <p:nvPr>
+            <p:ph type="sldNum" sz="quarter" idx="7"/>
+          </p:nvPr>
+        </p:nvSpPr>
+        <p:spPr/>
+        <p:txBody>
+          <a:bodyPr/>
+          <a:lstStyle/>
+          <a:p>
+            <a:fld id="{539F810C-9DAB-49B2-B45C-341744954A16}" type="slidenum">
+              <a:rPr lang="en-GB" smtClean="0"/>
+              <a:t>10</a:t>
+            </a:fld>
+            <a:endParaRPr lang="en-GB"/>
+          </a:p>
+        </p:txBody>
+      </p:sp>
+    </p:spTree>
+    <p:extLst>
+      <p:ext uri="{BB962C8B-B14F-4D97-AF65-F5344CB8AC3E}">
+        <p14:creationId xmlns:p14="http://schemas.microsoft.com/office/powerpoint/2010/main" val="1899367075"/>
+      </p:ext>
+    </p:extLst>
+  </p:cSld>
+  <p:clrMapOvr>
+    <a:masterClrMapping/>
+  </p:clrMapOvr>
+</p:sld>
+</file>
+
+<file path=ppt/slides/slide11.xml><?xml version="1.0" encoding="utf-8"?>
 <p:sld xmlns:a="http://schemas.openxmlformats.org/drawingml/2006/main" xmlns:r="http://schemas.openxmlformats.org/officeDocument/2006/relationships" xmlns:p="http://schemas.openxmlformats.org/presentationml/2006/main">
   <p:cSld>
     <p:spTree>
@@ -3290,19 +3698,7 @@
                                 <a:rPr lang="en-US" sz="2400" b="0" i="1" smtClean="0">
                                   <a:latin typeface="Cambria Math" panose="02040503050406030204" pitchFamily="18" charset="0"/>
                                 </a:rPr>
-                                <m:t>1</m:t>
-                              </m:r>
-                              <m:r>
-                                <a:rPr lang="en-US" sz="2400" b="0" i="1" smtClean="0">
-                                  <a:latin typeface="Cambria Math" panose="02040503050406030204" pitchFamily="18" charset="0"/>
-                                </a:rPr>
-                                <m:t>       </m:t>
-                              </m:r>
-                              <m:r>
-                                <a:rPr lang="en-US" sz="2400" b="0" i="1" smtClean="0">
-                                  <a:latin typeface="Cambria Math" panose="02040503050406030204" pitchFamily="18" charset="0"/>
-                                </a:rPr>
-                                <m:t>0</m:t>
+                                <m:t>1       0</m:t>
                               </m:r>
                               <m:r>
                                 <a:rPr lang="en-US" sz="2400" b="0" i="1" smtClean="0">
@@ -3323,14 +3719,7 @@
                                   <a:latin typeface="Cambria Math" panose="02040503050406030204" pitchFamily="18" charset="0"/>
                                   <a:ea typeface="Cambria Math" panose="02040503050406030204" pitchFamily="18" charset="0"/>
                                 </a:rPr>
-                                <m:t>≤</m:t>
-                              </m:r>
-                              <m:r>
-                                <a:rPr lang="en-US" sz="2400" b="0" i="1" smtClean="0">
-                                  <a:latin typeface="Cambria Math" panose="02040503050406030204" pitchFamily="18" charset="0"/>
-                                  <a:ea typeface="Cambria Math" panose="02040503050406030204" pitchFamily="18" charset="0"/>
-                                </a:rPr>
-                                <m:t>2</m:t>
+                                <m:t>≤2</m:t>
                               </m:r>
                             </m:e>
                             <m:e>
@@ -3338,31 +3727,13 @@
                                 <a:rPr lang="en-US" sz="2400" b="0" i="1" smtClean="0">
                                   <a:latin typeface="Cambria Math" panose="02040503050406030204" pitchFamily="18" charset="0"/>
                                 </a:rPr>
-                                <m:t>0</m:t>
+                                <m:t>0      </m:t>
                               </m:r>
                               <m:r>
                                 <a:rPr lang="en-US" sz="2400" b="0" i="1" smtClean="0">
                                   <a:latin typeface="Cambria Math" panose="02040503050406030204" pitchFamily="18" charset="0"/>
                                 </a:rPr>
-                                <m:t>      </m:t>
-                              </m:r>
-                              <m:r>
-                                <a:rPr lang="en-US" sz="2400" b="0" i="1" smtClean="0">
-                                  <a:latin typeface="Cambria Math" panose="02040503050406030204" pitchFamily="18" charset="0"/>
-                                </a:rPr>
-                                <m:t>𝑜𝑡</m:t>
-                              </m:r>
-                              <m:r>
-                                <a:rPr lang="en-US" sz="2400" b="0" i="1" smtClean="0">
-                                  <a:latin typeface="Cambria Math" panose="02040503050406030204" pitchFamily="18" charset="0"/>
-                                </a:rPr>
-                                <m:t>h</m:t>
-                              </m:r>
-                              <m:r>
-                                <a:rPr lang="en-US" sz="2400" b="0" i="1" smtClean="0">
-                                  <a:latin typeface="Cambria Math" panose="02040503050406030204" pitchFamily="18" charset="0"/>
-                                </a:rPr>
-                                <m:t>𝑒𝑟𝑤𝑖𝑠𝑒</m:t>
+                                <m:t>𝑜𝑡h𝑒𝑟𝑤𝑖𝑠𝑒</m:t>
                               </m:r>
                             </m:e>
                           </m:eqArr>
@@ -3522,19 +3893,7 @@
                                 <a:rPr lang="en-US" sz="2400" b="0" i="1" smtClean="0">
                                   <a:latin typeface="Cambria Math" panose="02040503050406030204" pitchFamily="18" charset="0"/>
                                 </a:rPr>
-                                <m:t>1</m:t>
-                              </m:r>
-                              <m:r>
-                                <a:rPr lang="en-US" sz="2400" b="0" i="1" smtClean="0">
-                                  <a:latin typeface="Cambria Math" panose="02040503050406030204" pitchFamily="18" charset="0"/>
-                                </a:rPr>
-                                <m:t>       −</m:t>
-                              </m:r>
-                              <m:r>
-                                <a:rPr lang="en-US" sz="2400" b="0" i="1" smtClean="0">
-                                  <a:latin typeface="Cambria Math" panose="02040503050406030204" pitchFamily="18" charset="0"/>
-                                </a:rPr>
-                                <m:t>3</m:t>
+                                <m:t>1       −3</m:t>
                               </m:r>
                               <m:r>
                                 <a:rPr lang="en-US" sz="2400" b="0" i="1" smtClean="0">
@@ -3555,14 +3914,7 @@
                                   <a:latin typeface="Cambria Math" panose="02040503050406030204" pitchFamily="18" charset="0"/>
                                   <a:ea typeface="Cambria Math" panose="02040503050406030204" pitchFamily="18" charset="0"/>
                                 </a:rPr>
-                                <m:t>≤</m:t>
-                              </m:r>
-                              <m:r>
-                                <a:rPr lang="en-US" sz="2400" b="0" i="1" smtClean="0">
-                                  <a:latin typeface="Cambria Math" panose="02040503050406030204" pitchFamily="18" charset="0"/>
-                                  <a:ea typeface="Cambria Math" panose="02040503050406030204" pitchFamily="18" charset="0"/>
-                                </a:rPr>
-                                <m:t>6</m:t>
+                                <m:t>≤6</m:t>
                               </m:r>
                             </m:e>
                             <m:e>
@@ -3570,31 +3922,13 @@
                                 <a:rPr lang="en-US" sz="2400" b="0" i="1" smtClean="0">
                                   <a:latin typeface="Cambria Math" panose="02040503050406030204" pitchFamily="18" charset="0"/>
                                 </a:rPr>
-                                <m:t>0</m:t>
+                                <m:t>0           </m:t>
                               </m:r>
                               <m:r>
                                 <a:rPr lang="en-US" sz="2400" b="0" i="1" smtClean="0">
                                   <a:latin typeface="Cambria Math" panose="02040503050406030204" pitchFamily="18" charset="0"/>
                                 </a:rPr>
-                                <m:t>           </m:t>
-                              </m:r>
-                              <m:r>
-                                <a:rPr lang="en-US" sz="2400" b="0" i="1" smtClean="0">
-                                  <a:latin typeface="Cambria Math" panose="02040503050406030204" pitchFamily="18" charset="0"/>
-                                </a:rPr>
-                                <m:t>𝑜𝑡</m:t>
-                              </m:r>
-                              <m:r>
-                                <a:rPr lang="en-US" sz="2400" b="0" i="1" smtClean="0">
-                                  <a:latin typeface="Cambria Math" panose="02040503050406030204" pitchFamily="18" charset="0"/>
-                                </a:rPr>
-                                <m:t>h</m:t>
-                              </m:r>
-                              <m:r>
-                                <a:rPr lang="en-US" sz="2400" b="0" i="1" smtClean="0">
-                                  <a:latin typeface="Cambria Math" panose="02040503050406030204" pitchFamily="18" charset="0"/>
-                                </a:rPr>
-                                <m:t>𝑒𝑟𝑤𝑖𝑠𝑒</m:t>
+                                <m:t>𝑜𝑡h𝑒𝑟𝑤𝑖𝑠𝑒</m:t>
                               </m:r>
                             </m:e>
                           </m:eqArr>
@@ -3784,16 +4118,7 @@
                                   </a:solidFill>
                                   <a:latin typeface="Cambria Math" panose="02040503050406030204" pitchFamily="18" charset="0"/>
                                 </a:rPr>
-                                <m:t>1</m:t>
-                              </m:r>
-                              <m:r>
-                                <a:rPr lang="en-US" sz="2400" b="0" i="1" smtClean="0">
-                                  <a:solidFill>
-                                    <a:srgbClr val="6600CC"/>
-                                  </a:solidFill>
-                                  <a:latin typeface="Cambria Math" panose="02040503050406030204" pitchFamily="18" charset="0"/>
-                                </a:rPr>
-                                <m:t>               </m:t>
+                                <m:t>1               </m:t>
                               </m:r>
                               <m:r>
                                 <a:rPr lang="en-US" sz="2400" b="0" i="1" smtClean="0">
@@ -3812,17 +4137,7 @@
                                   <a:latin typeface="Cambria Math" panose="02040503050406030204" pitchFamily="18" charset="0"/>
                                   <a:ea typeface="Cambria Math" panose="02040503050406030204" pitchFamily="18" charset="0"/>
                                 </a:rPr>
-                                <m:t>≤−</m:t>
-                              </m:r>
-                              <m:r>
-                                <a:rPr lang="en-US" sz="2400" b="0" i="1" smtClean="0">
-                                  <a:solidFill>
-                                    <a:srgbClr val="6600CC"/>
-                                  </a:solidFill>
-                                  <a:latin typeface="Cambria Math" panose="02040503050406030204" pitchFamily="18" charset="0"/>
-                                  <a:ea typeface="Cambria Math" panose="02040503050406030204" pitchFamily="18" charset="0"/>
-                                </a:rPr>
-                                <m:t>1</m:t>
+                                <m:t>≤−1</m:t>
                               </m:r>
                             </m:e>
                             <m:e>
@@ -3833,25 +4148,7 @@
                                   </a:solidFill>
                                   <a:latin typeface="Cambria Math" panose="02040503050406030204" pitchFamily="18" charset="0"/>
                                 </a:rPr>
-                                <m:t>0</m:t>
-                              </m:r>
-                              <m:r>
-                                <a:rPr lang="en-US" sz="2400" b="0" i="1" smtClean="0">
-                                  <a:solidFill>
-                                    <a:srgbClr val="6600CC"/>
-                                  </a:solidFill>
-                                  <a:latin typeface="Cambria Math" panose="02040503050406030204" pitchFamily="18" charset="0"/>
-                                </a:rPr>
-                                <m:t>     −</m:t>
-                              </m:r>
-                              <m:r>
-                                <a:rPr lang="en-US" sz="2400" b="0" i="1" smtClean="0">
-                                  <a:solidFill>
-                                    <a:srgbClr val="6600CC"/>
-                                  </a:solidFill>
-                                  <a:latin typeface="Cambria Math" panose="02040503050406030204" pitchFamily="18" charset="0"/>
-                                </a:rPr>
-                                <m:t>1</m:t>
+                                <m:t>0     −1</m:t>
                               </m:r>
                               <m:r>
                                 <a:rPr lang="en-US" sz="2400" b="0" i="1" smtClean="0">
@@ -3881,17 +4178,7 @@
                                   <a:latin typeface="Cambria Math" panose="02040503050406030204" pitchFamily="18" charset="0"/>
                                   <a:ea typeface="Cambria Math" panose="02040503050406030204" pitchFamily="18" charset="0"/>
                                 </a:rPr>
-                                <m:t>&lt;</m:t>
-                              </m:r>
-                              <m:r>
-                                <a:rPr lang="en-US" sz="2400" b="0" i="1" smtClean="0">
-                                  <a:solidFill>
-                                    <a:srgbClr val="6600CC"/>
-                                  </a:solidFill>
-                                  <a:latin typeface="Cambria Math" panose="02040503050406030204" pitchFamily="18" charset="0"/>
-                                  <a:ea typeface="Cambria Math" panose="02040503050406030204" pitchFamily="18" charset="0"/>
-                                </a:rPr>
-                                <m:t>1</m:t>
+                                <m:t>&lt;1</m:t>
                               </m:r>
                             </m:e>
                             <m:e>
@@ -3902,16 +4189,7 @@
                                   </a:solidFill>
                                   <a:latin typeface="Cambria Math" panose="02040503050406030204" pitchFamily="18" charset="0"/>
                                 </a:rPr>
-                                <m:t>1</m:t>
-                              </m:r>
-                              <m:r>
-                                <a:rPr lang="en-US" sz="2400" b="0" i="1" smtClean="0">
-                                  <a:solidFill>
-                                    <a:srgbClr val="6600CC"/>
-                                  </a:solidFill>
-                                  <a:latin typeface="Cambria Math" panose="02040503050406030204" pitchFamily="18" charset="0"/>
-                                </a:rPr>
-                                <m:t>                  </m:t>
+                                <m:t>1                  </m:t>
                               </m:r>
                               <m:r>
                                 <a:rPr lang="en-US" sz="2400" b="0" i="1" smtClean="0">
@@ -3930,17 +4208,7 @@
                                   <a:latin typeface="Cambria Math" panose="02040503050406030204" pitchFamily="18" charset="0"/>
                                   <a:ea typeface="Cambria Math" panose="02040503050406030204" pitchFamily="18" charset="0"/>
                                 </a:rPr>
-                                <m:t>≥</m:t>
-                              </m:r>
-                              <m:r>
-                                <a:rPr lang="en-US" sz="2400" b="0" i="1" smtClean="0">
-                                  <a:solidFill>
-                                    <a:srgbClr val="6600CC"/>
-                                  </a:solidFill>
-                                  <a:latin typeface="Cambria Math" panose="02040503050406030204" pitchFamily="18" charset="0"/>
-                                  <a:ea typeface="Cambria Math" panose="02040503050406030204" pitchFamily="18" charset="0"/>
-                                </a:rPr>
-                                <m:t>1</m:t>
+                                <m:t>≥1</m:t>
                               </m:r>
                             </m:e>
                           </m:eqArr>
@@ -4006,7 +4274,7 @@
         <p:spPr>
           <a:xfrm>
             <a:off x="549571" y="313464"/>
-            <a:ext cx="2941383" cy="523220"/>
+            <a:ext cx="4127925" cy="707886"/>
           </a:xfrm>
           <a:prstGeom prst="rect">
             <a:avLst/>
@@ -4032,7 +4300,11 @@
           </a:lstStyle>
           <a:p>
             <a:r>
-              <a:rPr lang="en-US" dirty="0"/>
+              <a:rPr lang="en-US" dirty="0">
+                <a:solidFill>
+                  <a:srgbClr val="00B050"/>
+                </a:solidFill>
+              </a:rPr>
               <a:t>Exercise (p. 549)</a:t>
             </a:r>
           </a:p>
@@ -4403,7 +4675,7 @@
           <a:p>
             <a:fld id="{539F810C-9DAB-49B2-B45C-341744954A16}" type="slidenum">
               <a:rPr lang="en-GB" smtClean="0"/>
-              <a:t>10</a:t>
+              <a:t>11</a:t>
             </a:fld>
             <a:endParaRPr lang="en-GB"/>
           </a:p>
@@ -4794,7 +5066,7 @@
 </p:sld>
 </file>
 
-<file path=ppt/slides/slide11.xml><?xml version="1.0" encoding="utf-8"?>
+<file path=ppt/slides/slide12.xml><?xml version="1.0" encoding="utf-8"?>
 <p:sld xmlns:a="http://schemas.openxmlformats.org/drawingml/2006/main" xmlns:r="http://schemas.openxmlformats.org/officeDocument/2006/relationships" xmlns:p="http://schemas.openxmlformats.org/presentationml/2006/main">
   <p:cSld>
     <p:spTree>
@@ -4836,7 +5108,7 @@
             <a:r>
               <a:rPr lang="en-US" sz="4000" b="1" dirty="0">
                 <a:solidFill>
-                  <a:srgbClr val="0000FF"/>
+                  <a:srgbClr val="00B050"/>
                 </a:solidFill>
                 <a:latin typeface="Cambria" panose="02040503050406030204" pitchFamily="18" charset="0"/>
               </a:rPr>
@@ -5218,7 +5490,7 @@
           <a:p>
             <a:fld id="{539F810C-9DAB-49B2-B45C-341744954A16}" type="slidenum">
               <a:rPr lang="en-GB" smtClean="0"/>
-              <a:t>11</a:t>
+              <a:t>12</a:t>
             </a:fld>
             <a:endParaRPr lang="en-GB"/>
           </a:p>
@@ -5237,7 +5509,627 @@
 </p:sld>
 </file>
 
-<file path=ppt/slides/slide12.xml><?xml version="1.0" encoding="utf-8"?>
+<file path=ppt/slides/slide13.xml><?xml version="1.0" encoding="utf-8"?>
+<p:sld xmlns:a="http://schemas.openxmlformats.org/drawingml/2006/main" xmlns:r="http://schemas.openxmlformats.org/officeDocument/2006/relationships" xmlns:p="http://schemas.openxmlformats.org/presentationml/2006/main">
+  <p:cSld>
+    <p:spTree>
+      <p:nvGrpSpPr>
+        <p:cNvPr id="1" name=""/>
+        <p:cNvGrpSpPr/>
+        <p:nvPr/>
+      </p:nvGrpSpPr>
+      <p:grpSpPr>
+        <a:xfrm>
+          <a:off x="0" y="0"/>
+          <a:ext cx="0" cy="0"/>
+          <a:chOff x="0" y="0"/>
+          <a:chExt cx="0" cy="0"/>
+        </a:xfrm>
+      </p:grpSpPr>
+      <p:sp>
+        <p:nvSpPr>
+          <p:cNvPr id="5" name="Rectangle 4"/>
+          <p:cNvSpPr/>
+          <p:nvPr/>
+        </p:nvSpPr>
+        <p:spPr>
+          <a:xfrm>
+            <a:off x="2024264" y="4865914"/>
+            <a:ext cx="5269162" cy="1416870"/>
+          </a:xfrm>
+          <a:prstGeom prst="rect">
+            <a:avLst/>
+          </a:prstGeom>
+        </p:spPr>
+        <p:style>
+          <a:lnRef idx="0">
+            <a:schemeClr val="accent6"/>
+          </a:lnRef>
+          <a:fillRef idx="3">
+            <a:schemeClr val="accent6"/>
+          </a:fillRef>
+          <a:effectRef idx="3">
+            <a:schemeClr val="accent6"/>
+          </a:effectRef>
+          <a:fontRef idx="minor">
+            <a:schemeClr val="lt1"/>
+          </a:fontRef>
+        </p:style>
+        <p:txBody>
+          <a:bodyPr rtlCol="0" anchor="ctr"/>
+          <a:lstStyle/>
+          <a:p>
+            <a:pPr algn="ctr"/>
+            <a:endParaRPr lang="en-US"/>
+          </a:p>
+        </p:txBody>
+      </p:sp>
+      <p:sp>
+        <p:nvSpPr>
+          <p:cNvPr id="17" name="Rectangle 16"/>
+          <p:cNvSpPr/>
+          <p:nvPr/>
+        </p:nvSpPr>
+        <p:spPr>
+          <a:xfrm>
+            <a:off x="918954" y="721889"/>
+            <a:ext cx="3755067" cy="707886"/>
+          </a:xfrm>
+          <a:prstGeom prst="rect">
+            <a:avLst/>
+          </a:prstGeom>
+          <a:noFill/>
+        </p:spPr>
+        <p:txBody>
+          <a:bodyPr wrap="none" rtlCol="0">
+            <a:spAutoFit/>
+          </a:bodyPr>
+          <a:lstStyle/>
+          <a:p>
+            <a:r>
+              <a:rPr lang="en-US" sz="4000" b="1" dirty="0">
+                <a:solidFill>
+                  <a:srgbClr val="00B050"/>
+                </a:solidFill>
+                <a:latin typeface="Cambria" panose="02040503050406030204" pitchFamily="18" charset="0"/>
+              </a:rPr>
+              <a:t>Ramp Function</a:t>
+            </a:r>
+          </a:p>
+        </p:txBody>
+      </p:sp>
+      <p:pic>
+        <p:nvPicPr>
+          <p:cNvPr id="3" name="Picture 2"/>
+          <p:cNvPicPr>
+            <a:picLocks noChangeAspect="1"/>
+          </p:cNvPicPr>
+          <p:nvPr/>
+        </p:nvPicPr>
+        <p:blipFill>
+          <a:blip r:embed="rId2" cstate="print">
+            <a:extLst>
+              <a:ext uri="{28A0092B-C50C-407E-A947-70E740481C1C}">
+                <a14:useLocalDpi xmlns:a14="http://schemas.microsoft.com/office/drawing/2010/main" val="0"/>
+              </a:ext>
+            </a:extLst>
+          </a:blip>
+          <a:stretch>
+            <a:fillRect/>
+          </a:stretch>
+        </p:blipFill>
+        <p:spPr>
+          <a:xfrm>
+            <a:off x="7517980" y="1202749"/>
+            <a:ext cx="4566997" cy="2780354"/>
+          </a:xfrm>
+          <a:prstGeom prst="rect">
+            <a:avLst/>
+          </a:prstGeom>
+        </p:spPr>
+      </p:pic>
+      <p:sp>
+        <p:nvSpPr>
+          <p:cNvPr id="20" name="Rectangle 19"/>
+          <p:cNvSpPr/>
+          <p:nvPr/>
+        </p:nvSpPr>
+        <p:spPr>
+          <a:xfrm>
+            <a:off x="1028894" y="1619235"/>
+            <a:ext cx="7515031" cy="954107"/>
+          </a:xfrm>
+          <a:prstGeom prst="rect">
+            <a:avLst/>
+          </a:prstGeom>
+        </p:spPr>
+        <p:txBody>
+          <a:bodyPr wrap="square">
+            <a:spAutoFit/>
+          </a:bodyPr>
+          <a:lstStyle/>
+          <a:p>
+            <a:r>
+              <a:rPr lang="en-US" sz="2800" dirty="0">
+                <a:latin typeface="Cambria" panose="02040503050406030204" pitchFamily="18" charset="0"/>
+                <a:ea typeface="ＭＳ Ｐゴシック" charset="0"/>
+                <a:cs typeface="ＭＳ Ｐゴシック" charset="0"/>
+              </a:rPr>
+              <a:t>A </a:t>
+            </a:r>
+            <a:r>
+              <a:rPr lang="en-US" sz="2800" dirty="0">
+                <a:solidFill>
+                  <a:srgbClr val="C00000"/>
+                </a:solidFill>
+                <a:latin typeface="Cambria" panose="02040503050406030204" pitchFamily="18" charset="0"/>
+                <a:ea typeface="ＭＳ Ｐゴシック" charset="0"/>
+                <a:cs typeface="ＭＳ Ｐゴシック" charset="0"/>
+              </a:rPr>
+              <a:t>Ramp function</a:t>
+            </a:r>
+            <a:r>
+              <a:rPr lang="en-US" sz="2800" dirty="0">
+                <a:latin typeface="Cambria" panose="02040503050406030204" pitchFamily="18" charset="0"/>
+                <a:ea typeface="ＭＳ Ｐゴシック" charset="0"/>
+                <a:cs typeface="ＭＳ Ｐゴシック" charset="0"/>
+              </a:rPr>
+              <a:t> models signals having a constant rate of increase</a:t>
+            </a:r>
+          </a:p>
+        </p:txBody>
+      </p:sp>
+      <p:sp>
+        <p:nvSpPr>
+          <p:cNvPr id="21" name="Rectangle 20"/>
+          <p:cNvSpPr/>
+          <p:nvPr/>
+        </p:nvSpPr>
+        <p:spPr>
+          <a:xfrm>
+            <a:off x="1084596" y="3582995"/>
+            <a:ext cx="6451342" cy="954107"/>
+          </a:xfrm>
+          <a:prstGeom prst="rect">
+            <a:avLst/>
+          </a:prstGeom>
+        </p:spPr>
+        <p:txBody>
+          <a:bodyPr wrap="square">
+            <a:spAutoFit/>
+          </a:bodyPr>
+          <a:lstStyle/>
+          <a:p>
+            <a:r>
+              <a:rPr lang="en-US" sz="2800" dirty="0">
+                <a:latin typeface="Cambria" panose="02040503050406030204" pitchFamily="18" charset="0"/>
+                <a:ea typeface="ＭＳ Ｐゴシック" charset="0"/>
+                <a:cs typeface="ＭＳ Ｐゴシック" charset="0"/>
+              </a:rPr>
+              <a:t>A </a:t>
+            </a:r>
+            <a:r>
+              <a:rPr lang="en-US" sz="2800" dirty="0">
+                <a:solidFill>
+                  <a:srgbClr val="006600"/>
+                </a:solidFill>
+                <a:latin typeface="Cambria" panose="02040503050406030204" pitchFamily="18" charset="0"/>
+                <a:ea typeface="ＭＳ Ｐゴシック" charset="0"/>
+                <a:cs typeface="ＭＳ Ｐゴシック" charset="0"/>
+              </a:rPr>
+              <a:t>R</a:t>
+            </a:r>
+            <a:r>
+              <a:rPr lang="en-US" sz="2800" dirty="0">
+                <a:latin typeface="Cambria" panose="02040503050406030204" pitchFamily="18" charset="0"/>
+                <a:ea typeface="ＭＳ Ｐゴシック" charset="0"/>
+                <a:cs typeface="ＭＳ Ｐゴシック" charset="0"/>
+              </a:rPr>
+              <a:t>amp function is the integral of the unit step function</a:t>
+            </a:r>
+          </a:p>
+        </p:txBody>
+      </p:sp>
+      <mc:AlternateContent xmlns:mc="http://schemas.openxmlformats.org/markup-compatibility/2006" xmlns:a14="http://schemas.microsoft.com/office/drawing/2010/main">
+        <mc:Choice Requires="a14">
+          <p:sp>
+            <p:nvSpPr>
+              <p:cNvPr id="22" name="Rectangle 21"/>
+              <p:cNvSpPr/>
+              <p:nvPr/>
+            </p:nvSpPr>
+            <p:spPr>
+              <a:xfrm>
+                <a:off x="2242720" y="6217039"/>
+                <a:ext cx="4554195" cy="400110"/>
+              </a:xfrm>
+              <a:prstGeom prst="rect">
+                <a:avLst/>
+              </a:prstGeom>
+            </p:spPr>
+            <p:txBody>
+              <a:bodyPr wrap="none">
+                <a:spAutoFit/>
+              </a:bodyPr>
+              <a:lstStyle/>
+              <a:p>
+                <a:pPr/>
+                <a14:m>
+                  <m:oMathPara xmlns:m="http://schemas.openxmlformats.org/officeDocument/2006/math">
+                    <m:oMathParaPr>
+                      <m:jc m:val="centerGroup"/>
+                    </m:oMathParaPr>
+                    <m:oMath xmlns:m="http://schemas.openxmlformats.org/officeDocument/2006/math">
+                      <m:r>
+                        <a:rPr lang="en-US" sz="2000" b="1" i="1" smtClean="0">
+                          <a:latin typeface="Cambria Math" panose="02040503050406030204" pitchFamily="18" charset="0"/>
+                          <a:ea typeface="Cambria Math" panose="02040503050406030204" pitchFamily="18" charset="0"/>
+                        </a:rPr>
+                        <m:t>𝝉</m:t>
+                      </m:r>
+                      <m:r>
+                        <a:rPr lang="en-US" sz="2000" b="0" i="1" smtClean="0">
+                          <a:latin typeface="Cambria Math" panose="02040503050406030204" pitchFamily="18" charset="0"/>
+                          <a:ea typeface="Cambria Math" panose="02040503050406030204" pitchFamily="18" charset="0"/>
+                        </a:rPr>
+                        <m:t> </m:t>
+                      </m:r>
+                      <m:r>
+                        <a:rPr lang="en-US" sz="2000" b="0" i="1" smtClean="0">
+                          <a:latin typeface="Cambria Math" panose="02040503050406030204" pitchFamily="18" charset="0"/>
+                          <a:ea typeface="Cambria Math" panose="02040503050406030204" pitchFamily="18" charset="0"/>
+                        </a:rPr>
+                        <m:t>𝑖𝑠</m:t>
+                      </m:r>
+                      <m:r>
+                        <a:rPr lang="en-US" sz="2000" b="0" i="1" smtClean="0">
+                          <a:latin typeface="Cambria Math" panose="02040503050406030204" pitchFamily="18" charset="0"/>
+                          <a:ea typeface="Cambria Math" panose="02040503050406030204" pitchFamily="18" charset="0"/>
+                        </a:rPr>
+                        <m:t> </m:t>
+                      </m:r>
+                      <m:r>
+                        <a:rPr lang="en-US" sz="2000" b="0" i="1" smtClean="0">
+                          <a:latin typeface="Cambria Math" panose="02040503050406030204" pitchFamily="18" charset="0"/>
+                          <a:ea typeface="Cambria Math" panose="02040503050406030204" pitchFamily="18" charset="0"/>
+                        </a:rPr>
+                        <m:t>𝑎</m:t>
+                      </m:r>
+                      <m:r>
+                        <a:rPr lang="en-US" sz="2000" b="0" i="1" smtClean="0">
+                          <a:latin typeface="Cambria Math" panose="02040503050406030204" pitchFamily="18" charset="0"/>
+                          <a:ea typeface="Cambria Math" panose="02040503050406030204" pitchFamily="18" charset="0"/>
+                        </a:rPr>
+                        <m:t> </m:t>
+                      </m:r>
+                      <m:r>
+                        <a:rPr lang="en-US" sz="2000" b="0" i="1" smtClean="0">
+                          <a:latin typeface="Cambria Math" panose="02040503050406030204" pitchFamily="18" charset="0"/>
+                          <a:ea typeface="Cambria Math" panose="02040503050406030204" pitchFamily="18" charset="0"/>
+                        </a:rPr>
+                        <m:t>𝑑𝑢𝑚𝑚𝑦</m:t>
+                      </m:r>
+                      <m:r>
+                        <a:rPr lang="en-US" sz="2000" b="0" i="1" smtClean="0">
+                          <a:latin typeface="Cambria Math" panose="02040503050406030204" pitchFamily="18" charset="0"/>
+                          <a:ea typeface="Cambria Math" panose="02040503050406030204" pitchFamily="18" charset="0"/>
+                        </a:rPr>
+                        <m:t> </m:t>
+                      </m:r>
+                      <m:r>
+                        <a:rPr lang="en-US" sz="2000" b="0" i="1" smtClean="0">
+                          <a:latin typeface="Cambria Math" panose="02040503050406030204" pitchFamily="18" charset="0"/>
+                          <a:ea typeface="Cambria Math" panose="02040503050406030204" pitchFamily="18" charset="0"/>
+                        </a:rPr>
+                        <m:t>𝑣𝑎𝑟𝑖𝑎𝑏𝑙𝑒</m:t>
+                      </m:r>
+                      <m:r>
+                        <a:rPr lang="en-US" sz="2000" b="0" i="1" smtClean="0">
+                          <a:latin typeface="Cambria Math" panose="02040503050406030204" pitchFamily="18" charset="0"/>
+                          <a:ea typeface="Cambria Math" panose="02040503050406030204" pitchFamily="18" charset="0"/>
+                        </a:rPr>
+                        <m:t> </m:t>
+                      </m:r>
+                      <m:r>
+                        <a:rPr lang="en-US" sz="2000" b="0" i="1" smtClean="0">
+                          <a:latin typeface="Cambria Math" panose="02040503050406030204" pitchFamily="18" charset="0"/>
+                          <a:ea typeface="Cambria Math" panose="02040503050406030204" pitchFamily="18" charset="0"/>
+                        </a:rPr>
+                        <m:t>𝑜𝑓</m:t>
+                      </m:r>
+                      <m:r>
+                        <a:rPr lang="en-US" sz="2000" b="0" i="1" smtClean="0">
+                          <a:latin typeface="Cambria Math" panose="02040503050406030204" pitchFamily="18" charset="0"/>
+                          <a:ea typeface="Cambria Math" panose="02040503050406030204" pitchFamily="18" charset="0"/>
+                        </a:rPr>
+                        <m:t> </m:t>
+                      </m:r>
+                      <m:r>
+                        <a:rPr lang="en-US" sz="2000" b="0" i="1" smtClean="0">
+                          <a:latin typeface="Cambria Math" panose="02040503050406030204" pitchFamily="18" charset="0"/>
+                          <a:ea typeface="Cambria Math" panose="02040503050406030204" pitchFamily="18" charset="0"/>
+                        </a:rPr>
+                        <m:t>𝑖𝑛𝑡𝑒𝑔𝑟𝑎𝑡𝑖𝑜𝑛</m:t>
+                      </m:r>
+                    </m:oMath>
+                  </m:oMathPara>
+                </a14:m>
+                <a:endParaRPr lang="en-US" sz="2000" dirty="0"/>
+              </a:p>
+            </p:txBody>
+          </p:sp>
+        </mc:Choice>
+        <mc:Fallback xmlns="">
+          <p:sp>
+            <p:nvSpPr>
+              <p:cNvPr id="22" name="Rectangle 21"/>
+              <p:cNvSpPr>
+                <a:spLocks noRot="1" noChangeAspect="1" noMove="1" noResize="1" noEditPoints="1" noAdjustHandles="1" noChangeArrowheads="1" noChangeShapeType="1" noTextEdit="1"/>
+              </p:cNvSpPr>
+              <p:nvPr/>
+            </p:nvSpPr>
+            <p:spPr>
+              <a:xfrm>
+                <a:off x="2242720" y="6217039"/>
+                <a:ext cx="4554195" cy="400110"/>
+              </a:xfrm>
+              <a:prstGeom prst="rect">
+                <a:avLst/>
+              </a:prstGeom>
+              <a:blipFill>
+                <a:blip r:embed="rId4"/>
+                <a:stretch>
+                  <a:fillRect b="-15385"/>
+                </a:stretch>
+              </a:blipFill>
+            </p:spPr>
+            <p:txBody>
+              <a:bodyPr/>
+              <a:lstStyle/>
+              <a:p>
+                <a:r>
+                  <a:rPr lang="en-GB">
+                    <a:noFill/>
+                  </a:rPr>
+                  <a:t> </a:t>
+                </a:r>
+              </a:p>
+            </p:txBody>
+          </p:sp>
+        </mc:Fallback>
+      </mc:AlternateContent>
+      <p:sp>
+        <p:nvSpPr>
+          <p:cNvPr id="2" name="Slide Number Placeholder 1"/>
+          <p:cNvSpPr>
+            <a:spLocks noGrp="1"/>
+          </p:cNvSpPr>
+          <p:nvPr>
+            <p:ph type="sldNum" sz="quarter" idx="7"/>
+          </p:nvPr>
+        </p:nvSpPr>
+        <p:spPr/>
+        <p:txBody>
+          <a:bodyPr/>
+          <a:lstStyle/>
+          <a:p>
+            <a:fld id="{539F810C-9DAB-49B2-B45C-341744954A16}" type="slidenum">
+              <a:rPr lang="en-GB" smtClean="0"/>
+              <a:t>13</a:t>
+            </a:fld>
+            <a:endParaRPr lang="en-GB"/>
+          </a:p>
+        </p:txBody>
+      </p:sp>
+      <mc:AlternateContent xmlns:mc="http://schemas.openxmlformats.org/markup-compatibility/2006">
+        <mc:Choice xmlns:a14="http://schemas.microsoft.com/office/drawing/2010/main" Requires="a14">
+          <p:sp>
+            <p:nvSpPr>
+              <p:cNvPr id="4" name="TextBox 3"/>
+              <p:cNvSpPr txBox="1"/>
+              <p:nvPr/>
+            </p:nvSpPr>
+            <p:spPr>
+              <a:xfrm>
+                <a:off x="2061629" y="5104756"/>
+                <a:ext cx="6385685" cy="916982"/>
+              </a:xfrm>
+              <a:prstGeom prst="rect">
+                <a:avLst/>
+              </a:prstGeom>
+              <a:noFill/>
+            </p:spPr>
+            <p:txBody>
+              <a:bodyPr wrap="square" rtlCol="0">
+                <a:spAutoFit/>
+              </a:bodyPr>
+              <a:lstStyle/>
+              <a:p>
+                <a:r>
+                  <a:rPr lang="en-US" sz="4000" dirty="0"/>
+                  <a:t>r</a:t>
+                </a:r>
+                <a:r>
+                  <a:rPr lang="en-US" sz="4000" dirty="0" smtClean="0"/>
+                  <a:t>(t) = </a:t>
+                </a:r>
+                <a:r>
+                  <a:rPr lang="en-US" sz="4000" dirty="0" err="1" smtClean="0"/>
+                  <a:t>tu</a:t>
+                </a:r>
+                <a:r>
+                  <a:rPr lang="en-US" sz="4000" dirty="0" smtClean="0"/>
+                  <a:t>(t) = </a:t>
+                </a:r>
+                <a14:m>
+                  <m:oMath xmlns:m="http://schemas.openxmlformats.org/officeDocument/2006/math">
+                    <m:nary>
+                      <m:naryPr>
+                        <m:ctrlPr>
+                          <a:rPr lang="en-US" sz="4000" i="1" smtClean="0">
+                            <a:latin typeface="Cambria Math"/>
+                          </a:rPr>
+                        </m:ctrlPr>
+                      </m:naryPr>
+                      <m:sub>
+                        <m:r>
+                          <m:rPr>
+                            <m:brk m:alnAt="23"/>
+                          </m:rPr>
+                          <a:rPr lang="en-US" sz="4000" b="0" i="1" smtClean="0">
+                            <a:latin typeface="Cambria Math"/>
+                          </a:rPr>
+                          <m:t>−</m:t>
+                        </m:r>
+                        <m:r>
+                          <a:rPr lang="en-US" sz="4000" b="0" i="1" smtClean="0">
+                            <a:latin typeface="Cambria Math"/>
+                            <a:ea typeface="Cambria Math"/>
+                          </a:rPr>
+                          <m:t>∞</m:t>
+                        </m:r>
+                      </m:sub>
+                      <m:sup>
+                        <m:r>
+                          <a:rPr lang="en-US" sz="4000" b="0" i="1" smtClean="0">
+                            <a:latin typeface="Cambria Math"/>
+                          </a:rPr>
+                          <m:t>𝑡</m:t>
+                        </m:r>
+                      </m:sup>
+                      <m:e>
+                        <m:r>
+                          <a:rPr lang="en-US" sz="4000" b="0" i="1" smtClean="0">
+                            <a:latin typeface="Cambria Math"/>
+                          </a:rPr>
+                          <m:t>𝑢</m:t>
+                        </m:r>
+                        <m:r>
+                          <a:rPr lang="en-US" sz="4000" b="0" i="1" smtClean="0">
+                            <a:latin typeface="Cambria Math"/>
+                          </a:rPr>
+                          <m:t>(</m:t>
+                        </m:r>
+                        <m:r>
+                          <a:rPr lang="en-US" sz="4000" b="0" i="1" smtClean="0">
+                            <a:latin typeface="Cambria Math"/>
+                            <a:ea typeface="Cambria Math"/>
+                          </a:rPr>
+                          <m:t>𝜏</m:t>
+                        </m:r>
+                        <m:r>
+                          <a:rPr lang="en-US" sz="4000" b="0" i="1" smtClean="0">
+                            <a:latin typeface="Cambria Math"/>
+                            <a:ea typeface="Cambria Math"/>
+                          </a:rPr>
+                          <m:t>)</m:t>
+                        </m:r>
+                        <m:r>
+                          <a:rPr lang="en-US" sz="4000" b="0" i="1" smtClean="0">
+                            <a:latin typeface="Cambria Math"/>
+                            <a:ea typeface="Cambria Math"/>
+                          </a:rPr>
+                          <m:t>𝑑</m:t>
+                        </m:r>
+                        <m:r>
+                          <a:rPr lang="en-US" sz="4000" b="0" i="1" smtClean="0">
+                            <a:latin typeface="Cambria Math"/>
+                            <a:ea typeface="Cambria Math"/>
+                          </a:rPr>
+                          <m:t>𝜏</m:t>
+                        </m:r>
+                      </m:e>
+                    </m:nary>
+                  </m:oMath>
+                </a14:m>
+                <a:endParaRPr lang="en-US" sz="4000" dirty="0"/>
+              </a:p>
+            </p:txBody>
+          </p:sp>
+        </mc:Choice>
+        <mc:Fallback>
+          <p:sp>
+            <p:nvSpPr>
+              <p:cNvPr id="4" name="TextBox 3"/>
+              <p:cNvSpPr txBox="1">
+                <a:spLocks noRot="1" noChangeAspect="1" noMove="1" noResize="1" noEditPoints="1" noAdjustHandles="1" noChangeArrowheads="1" noChangeShapeType="1" noTextEdit="1"/>
+              </p:cNvSpPr>
+              <p:nvPr/>
+            </p:nvSpPr>
+            <p:spPr>
+              <a:xfrm>
+                <a:off x="2061629" y="5104756"/>
+                <a:ext cx="6385685" cy="916982"/>
+              </a:xfrm>
+              <a:prstGeom prst="rect">
+                <a:avLst/>
+              </a:prstGeom>
+              <a:blipFill rotWithShape="1">
+                <a:blip r:embed="rId5"/>
+                <a:stretch>
+                  <a:fillRect l="-3340" b="-19205"/>
+                </a:stretch>
+              </a:blipFill>
+            </p:spPr>
+            <p:txBody>
+              <a:bodyPr/>
+              <a:lstStyle/>
+              <a:p>
+                <a:r>
+                  <a:rPr lang="en-US">
+                    <a:noFill/>
+                  </a:rPr>
+                  <a:t> </a:t>
+                </a:r>
+              </a:p>
+            </p:txBody>
+          </p:sp>
+        </mc:Fallback>
+      </mc:AlternateContent>
+      <p:sp>
+        <p:nvSpPr>
+          <p:cNvPr id="6" name="TextBox 5"/>
+          <p:cNvSpPr txBox="1"/>
+          <p:nvPr/>
+        </p:nvSpPr>
+        <p:spPr>
+          <a:xfrm>
+            <a:off x="1175657" y="195943"/>
+            <a:ext cx="3344160" cy="369332"/>
+          </a:xfrm>
+          <a:prstGeom prst="rect">
+            <a:avLst/>
+          </a:prstGeom>
+          <a:noFill/>
+        </p:spPr>
+        <p:txBody>
+          <a:bodyPr wrap="square" rtlCol="0">
+            <a:spAutoFit/>
+          </a:bodyPr>
+          <a:lstStyle/>
+          <a:p>
+            <a:r>
+              <a:rPr lang="en-US" dirty="0" err="1" smtClean="0"/>
+              <a:t>salman</a:t>
+            </a:r>
+            <a:endParaRPr lang="en-US" dirty="0"/>
+          </a:p>
+        </p:txBody>
+      </p:sp>
+    </p:spTree>
+    <p:extLst>
+      <p:ext uri="{BB962C8B-B14F-4D97-AF65-F5344CB8AC3E}">
+        <p14:creationId xmlns:p14="http://schemas.microsoft.com/office/powerpoint/2010/main" val="906249418"/>
+      </p:ext>
+    </p:extLst>
+  </p:cSld>
+  <p:clrMapOvr>
+    <a:masterClrMapping/>
+  </p:clrMapOvr>
+</p:sld>
+</file>
+
+<file path=ppt/slides/slide14.xml><?xml version="1.0" encoding="utf-8"?>
 <p:sld xmlns:a="http://schemas.openxmlformats.org/drawingml/2006/main" xmlns:r="http://schemas.openxmlformats.org/officeDocument/2006/relationships" xmlns:p="http://schemas.openxmlformats.org/presentationml/2006/main">
   <p:cSld>
     <p:spTree>
@@ -5528,7 +6420,7 @@
         <p:spPr>
           <a:xfrm>
             <a:off x="338580" y="277065"/>
-            <a:ext cx="3787768" cy="523220"/>
+            <a:ext cx="5334345" cy="707886"/>
           </a:xfrm>
           <a:prstGeom prst="rect">
             <a:avLst/>
@@ -5554,7 +6446,11 @@
           </a:lstStyle>
           <a:p>
             <a:r>
-              <a:rPr lang="en-US" dirty="0"/>
+              <a:rPr lang="en-US" dirty="0">
+                <a:solidFill>
+                  <a:srgbClr val="00B050"/>
+                </a:solidFill>
+              </a:rPr>
               <a:t>Example 12.2 (p. 550)</a:t>
             </a:r>
           </a:p>
@@ -5565,7 +6461,7 @@
           <p:cNvPr id="3" name="Group 2">
             <a:extLst>
               <a:ext uri="{FF2B5EF4-FFF2-40B4-BE49-F238E27FC236}">
-                <a16:creationId xmlns:a16="http://schemas.microsoft.com/office/drawing/2014/main" xmlns="" id="{185C2F58-07A3-A768-9CA5-E58688D46950}"/>
+                <a16:creationId xmlns="" xmlns:a16="http://schemas.microsoft.com/office/drawing/2014/main" id="{185C2F58-07A3-A768-9CA5-E58688D46950}"/>
               </a:ext>
             </a:extLst>
           </p:cNvPr>
@@ -6160,7 +7056,7 @@
           <p:cNvPr id="4" name="Group 3">
             <a:extLst>
               <a:ext uri="{FF2B5EF4-FFF2-40B4-BE49-F238E27FC236}">
-                <a16:creationId xmlns:a16="http://schemas.microsoft.com/office/drawing/2014/main" xmlns="" id="{3FA7E771-734A-BAF4-B0FE-26096219F3BD}"/>
+                <a16:creationId xmlns="" xmlns:a16="http://schemas.microsoft.com/office/drawing/2014/main" id="{3FA7E771-734A-BAF4-B0FE-26096219F3BD}"/>
               </a:ext>
             </a:extLst>
           </p:cNvPr>
@@ -6974,7 +7870,7 @@
           <a:p>
             <a:fld id="{539F810C-9DAB-49B2-B45C-341744954A16}" type="slidenum">
               <a:rPr lang="en-GB" smtClean="0"/>
-              <a:t>12</a:t>
+              <a:t>14</a:t>
             </a:fld>
             <a:endParaRPr lang="en-GB"/>
           </a:p>
@@ -6993,7 +7889,7 @@
 </p:sld>
 </file>
 
-<file path=ppt/slides/slide13.xml><?xml version="1.0" encoding="utf-8"?>
+<file path=ppt/slides/slide15.xml><?xml version="1.0" encoding="utf-8"?>
 <p:sld xmlns:a="http://schemas.openxmlformats.org/drawingml/2006/main" xmlns:r="http://schemas.openxmlformats.org/officeDocument/2006/relationships" xmlns:p="http://schemas.openxmlformats.org/presentationml/2006/main">
   <p:cSld>
     <p:spTree>
@@ -9058,7 +9954,11 @@
           </a:lstStyle>
           <a:p>
             <a:r>
-              <a:rPr lang="en-US" dirty="0"/>
+              <a:rPr lang="en-US" dirty="0">
+                <a:solidFill>
+                  <a:srgbClr val="00B050"/>
+                </a:solidFill>
+              </a:rPr>
               <a:t>Example 12.2 (p. 550) cont.</a:t>
             </a:r>
           </a:p>
@@ -9173,7 +10073,7 @@
           <a:p>
             <a:fld id="{539F810C-9DAB-49B2-B45C-341744954A16}" type="slidenum">
               <a:rPr lang="en-GB" smtClean="0"/>
-              <a:t>13</a:t>
+              <a:t>15</a:t>
             </a:fld>
             <a:endParaRPr lang="en-GB"/>
           </a:p>
@@ -9408,7 +10308,7 @@
 </p:sld>
 </file>
 
-<file path=ppt/slides/slide14.xml><?xml version="1.0" encoding="utf-8"?>
+<file path=ppt/slides/slide16.xml><?xml version="1.0" encoding="utf-8"?>
 <p:sld xmlns:a="http://schemas.openxmlformats.org/drawingml/2006/main" xmlns:r="http://schemas.openxmlformats.org/officeDocument/2006/relationships" xmlns:p="http://schemas.openxmlformats.org/presentationml/2006/main">
   <p:cSld>
     <p:spTree>
@@ -9450,7 +10350,7 @@
             <a:r>
               <a:rPr lang="en-US" sz="4000" b="1" dirty="0">
                 <a:solidFill>
-                  <a:srgbClr val="0000FF"/>
+                  <a:srgbClr val="00B050"/>
                 </a:solidFill>
                 <a:latin typeface="Cambria" panose="02040503050406030204" pitchFamily="18" charset="0"/>
               </a:rPr>
@@ -9884,7 +10784,7 @@
           <a:p>
             <a:fld id="{539F810C-9DAB-49B2-B45C-341744954A16}" type="slidenum">
               <a:rPr lang="en-GB" smtClean="0"/>
-              <a:t>14</a:t>
+              <a:t>16</a:t>
             </a:fld>
             <a:endParaRPr lang="en-GB"/>
           </a:p>
@@ -9903,7 +10803,7 @@
 </p:sld>
 </file>
 
-<file path=ppt/slides/slide15.xml><?xml version="1.0" encoding="utf-8"?>
+<file path=ppt/slides/slide17.xml><?xml version="1.0" encoding="utf-8"?>
 <p:sld xmlns:a="http://schemas.openxmlformats.org/drawingml/2006/main" xmlns:r="http://schemas.openxmlformats.org/officeDocument/2006/relationships" xmlns:p="http://schemas.openxmlformats.org/presentationml/2006/main">
   <p:cSld>
     <p:spTree>
@@ -10102,7 +11002,11 @@
           </a:lstStyle>
           <a:p>
             <a:r>
-              <a:rPr lang="en-US" dirty="0"/>
+              <a:rPr lang="en-US" dirty="0">
+                <a:solidFill>
+                  <a:srgbClr val="00B050"/>
+                </a:solidFill>
+              </a:rPr>
               <a:t>Example 12.3 (p. 551)</a:t>
             </a:r>
           </a:p>
@@ -10159,7 +11063,7 @@
           <p:cNvPr id="3" name="Group 2">
             <a:extLst>
               <a:ext uri="{FF2B5EF4-FFF2-40B4-BE49-F238E27FC236}">
-                <a16:creationId xmlns:a16="http://schemas.microsoft.com/office/drawing/2014/main" xmlns="" id="{11BBF9C3-8759-0746-8613-D26E1860DA8C}"/>
+                <a16:creationId xmlns="" xmlns:a16="http://schemas.microsoft.com/office/drawing/2014/main" id="{11BBF9C3-8759-0746-8613-D26E1860DA8C}"/>
               </a:ext>
             </a:extLst>
           </p:cNvPr>
@@ -10849,7 +11753,7 @@
           <a:p>
             <a:fld id="{539F810C-9DAB-49B2-B45C-341744954A16}" type="slidenum">
               <a:rPr lang="en-GB" smtClean="0"/>
-              <a:t>15</a:t>
+              <a:t>17</a:t>
             </a:fld>
             <a:endParaRPr lang="en-GB"/>
           </a:p>
@@ -10992,7 +11896,7 @@
 </p:sld>
 </file>
 
-<file path=ppt/slides/slide16.xml><?xml version="1.0" encoding="utf-8"?>
+<file path=ppt/slides/slide18.xml><?xml version="1.0" encoding="utf-8"?>
 <p:sld xmlns:a="http://schemas.openxmlformats.org/drawingml/2006/main" xmlns:r="http://schemas.openxmlformats.org/officeDocument/2006/relationships" xmlns:p="http://schemas.openxmlformats.org/presentationml/2006/main">
   <p:cSld>
     <p:spTree>
@@ -11113,7 +12017,11 @@
           </a:lstStyle>
           <a:p>
             <a:r>
-              <a:rPr lang="en-US" dirty="0"/>
+              <a:rPr lang="en-US" dirty="0">
+                <a:solidFill>
+                  <a:srgbClr val="00B050"/>
+                </a:solidFill>
+              </a:rPr>
               <a:t>Exercise 8 (p. 593 (a) )</a:t>
             </a:r>
           </a:p>
@@ -13296,7 +14204,7 @@
           <a:p>
             <a:fld id="{539F810C-9DAB-49B2-B45C-341744954A16}" type="slidenum">
               <a:rPr lang="en-GB" smtClean="0"/>
-              <a:t>16</a:t>
+              <a:t>18</a:t>
             </a:fld>
             <a:endParaRPr lang="en-GB"/>
           </a:p>
@@ -13531,7 +14439,7 @@
 </p:sld>
 </file>
 
-<file path=ppt/slides/slide17.xml><?xml version="1.0" encoding="utf-8"?>
+<file path=ppt/slides/slide19.xml><?xml version="1.0" encoding="utf-8"?>
 <p:sld xmlns:a="http://schemas.openxmlformats.org/drawingml/2006/main" xmlns:r="http://schemas.openxmlformats.org/officeDocument/2006/relationships" xmlns:p="http://schemas.openxmlformats.org/presentationml/2006/main">
   <p:cSld>
     <p:spTree>
@@ -14094,7 +15002,7 @@
           <p:cNvPr id="3" name="Group 2">
             <a:extLst>
               <a:ext uri="{FF2B5EF4-FFF2-40B4-BE49-F238E27FC236}">
-                <a16:creationId xmlns:a16="http://schemas.microsoft.com/office/drawing/2014/main" xmlns="" id="{8154AFF4-30AE-5E15-8BD0-005B3EC6D872}"/>
+                <a16:creationId xmlns="" xmlns:a16="http://schemas.microsoft.com/office/drawing/2014/main" id="{8154AFF4-30AE-5E15-8BD0-005B3EC6D872}"/>
               </a:ext>
             </a:extLst>
           </p:cNvPr>
@@ -15339,7 +16247,7 @@
           <a:p>
             <a:fld id="{539F810C-9DAB-49B2-B45C-341744954A16}" type="slidenum">
               <a:rPr lang="en-GB" smtClean="0"/>
-              <a:t>17</a:t>
+              <a:t>19</a:t>
             </a:fld>
             <a:endParaRPr lang="en-GB"/>
           </a:p>
@@ -15574,7 +16482,151 @@
 </p:sld>
 </file>
 
-<file path=ppt/slides/slide18.xml><?xml version="1.0" encoding="utf-8"?>
+<file path=ppt/slides/slide2.xml><?xml version="1.0" encoding="utf-8"?>
+<p:sld xmlns:a="http://schemas.openxmlformats.org/drawingml/2006/main" xmlns:r="http://schemas.openxmlformats.org/officeDocument/2006/relationships" xmlns:p="http://schemas.openxmlformats.org/presentationml/2006/main">
+  <p:cSld>
+    <p:spTree>
+      <p:nvGrpSpPr>
+        <p:cNvPr id="1" name=""/>
+        <p:cNvGrpSpPr/>
+        <p:nvPr/>
+      </p:nvGrpSpPr>
+      <p:grpSpPr>
+        <a:xfrm>
+          <a:off x="0" y="0"/>
+          <a:ext cx="0" cy="0"/>
+          <a:chOff x="0" y="0"/>
+          <a:chExt cx="0" cy="0"/>
+        </a:xfrm>
+      </p:grpSpPr>
+      <p:sp>
+        <p:nvSpPr>
+          <p:cNvPr id="2" name="مربع نص 1"/>
+          <p:cNvSpPr txBox="1"/>
+          <p:nvPr/>
+        </p:nvSpPr>
+        <p:spPr>
+          <a:xfrm>
+            <a:off x="387464" y="558856"/>
+            <a:ext cx="4834261" cy="901465"/>
+          </a:xfrm>
+          <a:prstGeom prst="rect">
+            <a:avLst/>
+          </a:prstGeom>
+          <a:noFill/>
+        </p:spPr>
+        <p:txBody>
+          <a:bodyPr wrap="square" rtlCol="0">
+            <a:spAutoFit/>
+          </a:bodyPr>
+          <a:lstStyle/>
+          <a:p>
+            <a:pPr algn="ctr">
+              <a:lnSpc>
+                <a:spcPct val="150000"/>
+              </a:lnSpc>
+            </a:pPr>
+            <a:r>
+              <a:rPr lang="en-US" sz="4000" b="1" dirty="0">
+                <a:solidFill>
+                  <a:srgbClr val="00B050"/>
+                </a:solidFill>
+                <a:latin typeface="Cambria" pitchFamily="18" charset="0"/>
+              </a:rPr>
+              <a:t>Announcement</a:t>
+            </a:r>
+          </a:p>
+        </p:txBody>
+      </p:sp>
+      <p:sp>
+        <p:nvSpPr>
+          <p:cNvPr id="3" name="TextBox 2"/>
+          <p:cNvSpPr txBox="1"/>
+          <p:nvPr/>
+        </p:nvSpPr>
+        <p:spPr>
+          <a:xfrm>
+            <a:off x="950647" y="1848118"/>
+            <a:ext cx="8691373" cy="1580882"/>
+          </a:xfrm>
+          <a:prstGeom prst="rect">
+            <a:avLst/>
+          </a:prstGeom>
+          <a:noFill/>
+        </p:spPr>
+        <p:txBody>
+          <a:bodyPr wrap="square" rtlCol="0">
+            <a:spAutoFit/>
+          </a:bodyPr>
+          <a:lstStyle/>
+          <a:p>
+            <a:pPr marL="514350" indent="-514350">
+              <a:lnSpc>
+                <a:spcPct val="150000"/>
+              </a:lnSpc>
+              <a:buFont typeface="+mj-lt"/>
+              <a:buAutoNum type="arabicPeriod"/>
+            </a:pPr>
+            <a:r>
+              <a:rPr lang="en-US" sz="3400" dirty="0"/>
+              <a:t>Project Proposal will be released next week</a:t>
+            </a:r>
+          </a:p>
+          <a:p>
+            <a:pPr marL="514350" indent="-514350">
+              <a:lnSpc>
+                <a:spcPct val="150000"/>
+              </a:lnSpc>
+              <a:buFont typeface="+mj-lt"/>
+              <a:buAutoNum type="arabicPeriod"/>
+            </a:pPr>
+            <a:r>
+              <a:rPr lang="en-US" sz="3400" dirty="0"/>
+              <a:t>Form project groups.</a:t>
+            </a:r>
+          </a:p>
+        </p:txBody>
+      </p:sp>
+      <p:sp>
+        <p:nvSpPr>
+          <p:cNvPr id="4" name="Slide Number Placeholder 3"/>
+          <p:cNvSpPr>
+            <a:spLocks noGrp="1"/>
+          </p:cNvSpPr>
+          <p:nvPr>
+            <p:ph type="sldNum" sz="quarter" idx="7"/>
+          </p:nvPr>
+        </p:nvSpPr>
+        <p:spPr/>
+        <p:txBody>
+          <a:bodyPr/>
+          <a:lstStyle/>
+          <a:p>
+            <a:fld id="{539F810C-9DAB-49B2-B45C-341744954A16}" type="slidenum">
+              <a:rPr lang="en-GB" smtClean="0"/>
+              <a:t>2</a:t>
+            </a:fld>
+            <a:endParaRPr lang="en-GB"/>
+          </a:p>
+        </p:txBody>
+      </p:sp>
+    </p:spTree>
+    <p:extLst>
+      <p:ext uri="{BB962C8B-B14F-4D97-AF65-F5344CB8AC3E}">
+        <p14:creationId xmlns:p14="http://schemas.microsoft.com/office/powerpoint/2010/main" val="1822825689"/>
+      </p:ext>
+    </p:extLst>
+  </p:cSld>
+  <p:clrMapOvr>
+    <a:masterClrMapping/>
+  </p:clrMapOvr>
+  <p:transition>
+    <p:wipe/>
+  </p:transition>
+</p:sld>
+</file>
+
+<file path=ppt/slides/slide20.xml><?xml version="1.0" encoding="utf-8"?>
 <p:sld xmlns:a="http://schemas.openxmlformats.org/drawingml/2006/main" xmlns:r="http://schemas.openxmlformats.org/officeDocument/2006/relationships" xmlns:p="http://schemas.openxmlformats.org/presentationml/2006/main">
   <p:cSld>
     <p:spTree>
@@ -15626,7 +16678,11 @@
           </a:lstStyle>
           <a:p>
             <a:r>
-              <a:rPr lang="en-US" dirty="0"/>
+              <a:rPr lang="en-US" dirty="0">
+                <a:solidFill>
+                  <a:srgbClr val="00B050"/>
+                </a:solidFill>
+              </a:rPr>
               <a:t>Additional example 1</a:t>
             </a:r>
           </a:p>
@@ -15833,7 +16889,7 @@
           <a:p>
             <a:fld id="{539F810C-9DAB-49B2-B45C-341744954A16}" type="slidenum">
               <a:rPr lang="en-GB" smtClean="0"/>
-              <a:t>18</a:t>
+              <a:t>20</a:t>
             </a:fld>
             <a:endParaRPr lang="en-GB"/>
           </a:p>
@@ -15976,7 +17032,7 @@
 </p:sld>
 </file>
 
-<file path=ppt/slides/slide19.xml><?xml version="1.0" encoding="utf-8"?>
+<file path=ppt/slides/slide21.xml><?xml version="1.0" encoding="utf-8"?>
 <p:sld xmlns:a="http://schemas.openxmlformats.org/drawingml/2006/main" xmlns:r="http://schemas.openxmlformats.org/officeDocument/2006/relationships" xmlns:p="http://schemas.openxmlformats.org/presentationml/2006/main">
   <p:cSld>
     <p:spTree>
@@ -16054,7 +17110,11 @@
           </a:lstStyle>
           <a:p>
             <a:r>
-              <a:rPr lang="en-US" dirty="0"/>
+              <a:rPr lang="en-US" dirty="0">
+                <a:solidFill>
+                  <a:srgbClr val="00B050"/>
+                </a:solidFill>
+              </a:rPr>
               <a:t>Example 2</a:t>
             </a:r>
           </a:p>
@@ -16235,7 +17295,7 @@
           <a:p>
             <a:fld id="{539F810C-9DAB-49B2-B45C-341744954A16}" type="slidenum">
               <a:rPr lang="en-GB" smtClean="0"/>
-              <a:t>19</a:t>
+              <a:t>21</a:t>
             </a:fld>
             <a:endParaRPr lang="en-GB"/>
           </a:p>
@@ -16378,151 +17438,7 @@
 </p:sld>
 </file>
 
-<file path=ppt/slides/slide2.xml><?xml version="1.0" encoding="utf-8"?>
-<p:sld xmlns:a="http://schemas.openxmlformats.org/drawingml/2006/main" xmlns:r="http://schemas.openxmlformats.org/officeDocument/2006/relationships" xmlns:p="http://schemas.openxmlformats.org/presentationml/2006/main">
-  <p:cSld>
-    <p:spTree>
-      <p:nvGrpSpPr>
-        <p:cNvPr id="1" name=""/>
-        <p:cNvGrpSpPr/>
-        <p:nvPr/>
-      </p:nvGrpSpPr>
-      <p:grpSpPr>
-        <a:xfrm>
-          <a:off x="0" y="0"/>
-          <a:ext cx="0" cy="0"/>
-          <a:chOff x="0" y="0"/>
-          <a:chExt cx="0" cy="0"/>
-        </a:xfrm>
-      </p:grpSpPr>
-      <p:sp>
-        <p:nvSpPr>
-          <p:cNvPr id="2" name="مربع نص 1"/>
-          <p:cNvSpPr txBox="1"/>
-          <p:nvPr/>
-        </p:nvSpPr>
-        <p:spPr>
-          <a:xfrm>
-            <a:off x="387464" y="558856"/>
-            <a:ext cx="4834261" cy="901465"/>
-          </a:xfrm>
-          <a:prstGeom prst="rect">
-            <a:avLst/>
-          </a:prstGeom>
-          <a:noFill/>
-        </p:spPr>
-        <p:txBody>
-          <a:bodyPr wrap="square" rtlCol="0">
-            <a:spAutoFit/>
-          </a:bodyPr>
-          <a:lstStyle/>
-          <a:p>
-            <a:pPr algn="ctr">
-              <a:lnSpc>
-                <a:spcPct val="150000"/>
-              </a:lnSpc>
-            </a:pPr>
-            <a:r>
-              <a:rPr lang="en-US" sz="4000" b="1" dirty="0">
-                <a:solidFill>
-                  <a:srgbClr val="00B050"/>
-                </a:solidFill>
-                <a:latin typeface="Cambria" pitchFamily="18" charset="0"/>
-              </a:rPr>
-              <a:t>Announcement</a:t>
-            </a:r>
-          </a:p>
-        </p:txBody>
-      </p:sp>
-      <p:sp>
-        <p:nvSpPr>
-          <p:cNvPr id="3" name="TextBox 2"/>
-          <p:cNvSpPr txBox="1"/>
-          <p:nvPr/>
-        </p:nvSpPr>
-        <p:spPr>
-          <a:xfrm>
-            <a:off x="950647" y="1848118"/>
-            <a:ext cx="8691373" cy="1580882"/>
-          </a:xfrm>
-          <a:prstGeom prst="rect">
-            <a:avLst/>
-          </a:prstGeom>
-          <a:noFill/>
-        </p:spPr>
-        <p:txBody>
-          <a:bodyPr wrap="square" rtlCol="0">
-            <a:spAutoFit/>
-          </a:bodyPr>
-          <a:lstStyle/>
-          <a:p>
-            <a:pPr marL="514350" indent="-514350">
-              <a:lnSpc>
-                <a:spcPct val="150000"/>
-              </a:lnSpc>
-              <a:buFont typeface="+mj-lt"/>
-              <a:buAutoNum type="arabicPeriod"/>
-            </a:pPr>
-            <a:r>
-              <a:rPr lang="en-US" sz="3400" dirty="0"/>
-              <a:t>Project Proposal will be released next week</a:t>
-            </a:r>
-          </a:p>
-          <a:p>
-            <a:pPr marL="514350" indent="-514350">
-              <a:lnSpc>
-                <a:spcPct val="150000"/>
-              </a:lnSpc>
-              <a:buFont typeface="+mj-lt"/>
-              <a:buAutoNum type="arabicPeriod"/>
-            </a:pPr>
-            <a:r>
-              <a:rPr lang="en-US" sz="3400" dirty="0"/>
-              <a:t>Form project groups.</a:t>
-            </a:r>
-          </a:p>
-        </p:txBody>
-      </p:sp>
-      <p:sp>
-        <p:nvSpPr>
-          <p:cNvPr id="4" name="Slide Number Placeholder 3"/>
-          <p:cNvSpPr>
-            <a:spLocks noGrp="1"/>
-          </p:cNvSpPr>
-          <p:nvPr>
-            <p:ph type="sldNum" sz="quarter" idx="7"/>
-          </p:nvPr>
-        </p:nvSpPr>
-        <p:spPr/>
-        <p:txBody>
-          <a:bodyPr/>
-          <a:lstStyle/>
-          <a:p>
-            <a:fld id="{539F810C-9DAB-49B2-B45C-341744954A16}" type="slidenum">
-              <a:rPr lang="en-GB" smtClean="0"/>
-              <a:t>2</a:t>
-            </a:fld>
-            <a:endParaRPr lang="en-GB"/>
-          </a:p>
-        </p:txBody>
-      </p:sp>
-    </p:spTree>
-    <p:extLst>
-      <p:ext uri="{BB962C8B-B14F-4D97-AF65-F5344CB8AC3E}">
-        <p14:creationId xmlns:p14="http://schemas.microsoft.com/office/powerpoint/2010/main" val="1822825689"/>
-      </p:ext>
-    </p:extLst>
-  </p:cSld>
-  <p:clrMapOvr>
-    <a:masterClrMapping/>
-  </p:clrMapOvr>
-  <p:transition>
-    <p:wipe/>
-  </p:transition>
-</p:sld>
-</file>
-
-<file path=ppt/slides/slide20.xml><?xml version="1.0" encoding="utf-8"?>
+<file path=ppt/slides/slide22.xml><?xml version="1.0" encoding="utf-8"?>
 <p:sld xmlns:a="http://schemas.openxmlformats.org/drawingml/2006/main" xmlns:r="http://schemas.openxmlformats.org/officeDocument/2006/relationships" xmlns:p="http://schemas.openxmlformats.org/presentationml/2006/main">
   <p:cSld>
     <p:spTree>
@@ -16556,7 +17472,7 @@
           <a:p>
             <a:fld id="{539F810C-9DAB-49B2-B45C-341744954A16}" type="slidenum">
               <a:rPr lang="en-GB" smtClean="0"/>
-              <a:t>20</a:t>
+              <a:t>22</a:t>
             </a:fld>
             <a:endParaRPr lang="en-GB"/>
           </a:p>
@@ -16567,7 +17483,7 @@
           <p:cNvPr id="5" name="TextBox 4">
             <a:extLst>
               <a:ext uri="{FF2B5EF4-FFF2-40B4-BE49-F238E27FC236}">
-                <a16:creationId xmlns:a16="http://schemas.microsoft.com/office/drawing/2014/main" xmlns="" id="{04C172CD-A494-38A8-CE64-C1D4FED18656}"/>
+                <a16:creationId xmlns="" xmlns:a16="http://schemas.microsoft.com/office/drawing/2014/main" id="{04C172CD-A494-38A8-CE64-C1D4FED18656}"/>
               </a:ext>
             </a:extLst>
           </p:cNvPr>
@@ -16603,7 +17519,11 @@
           </a:lstStyle>
           <a:p>
             <a:r>
-              <a:rPr lang="en-US" dirty="0"/>
+              <a:rPr lang="en-US" dirty="0">
+                <a:solidFill>
+                  <a:srgbClr val="00B050"/>
+                </a:solidFill>
+              </a:rPr>
               <a:t>Practice</a:t>
             </a:r>
           </a:p>
@@ -16614,7 +17534,7 @@
           <p:cNvPr id="9" name="Rectangle 5">
             <a:extLst>
               <a:ext uri="{FF2B5EF4-FFF2-40B4-BE49-F238E27FC236}">
-                <a16:creationId xmlns:a16="http://schemas.microsoft.com/office/drawing/2014/main" xmlns="" id="{F29AD58E-514F-64E7-176A-7CEF91C60CB1}"/>
+                <a16:creationId xmlns="" xmlns:a16="http://schemas.microsoft.com/office/drawing/2014/main" id="{F29AD58E-514F-64E7-176A-7CEF91C60CB1}"/>
               </a:ext>
             </a:extLst>
           </p:cNvPr>
@@ -17156,7 +18076,7 @@
 </p:sld>
 </file>
 
-<file path=ppt/slides/slide21.xml><?xml version="1.0" encoding="utf-8"?>
+<file path=ppt/slides/slide23.xml><?xml version="1.0" encoding="utf-8"?>
 <p:sld xmlns:a="http://schemas.openxmlformats.org/drawingml/2006/main" xmlns:r="http://schemas.openxmlformats.org/officeDocument/2006/relationships" xmlns:p="http://schemas.openxmlformats.org/presentationml/2006/main">
   <p:cSld>
     <p:spTree>
@@ -17257,7 +18177,7 @@
           <a:p>
             <a:fld id="{539F810C-9DAB-49B2-B45C-341744954A16}" type="slidenum">
               <a:rPr lang="en-GB" smtClean="0"/>
-              <a:t>21</a:t>
+              <a:t>23</a:t>
             </a:fld>
             <a:endParaRPr lang="en-GB"/>
           </a:p>
@@ -17268,7 +18188,7 @@
           <p:cNvPr id="4" name="Rectangle 2">
             <a:extLst>
               <a:ext uri="{FF2B5EF4-FFF2-40B4-BE49-F238E27FC236}">
-                <a16:creationId xmlns:a16="http://schemas.microsoft.com/office/drawing/2014/main" xmlns="" id="{35758053-9DCE-EB85-5FBF-A52503370F77}"/>
+                <a16:creationId xmlns="" xmlns:a16="http://schemas.microsoft.com/office/drawing/2014/main" id="{35758053-9DCE-EB85-5FBF-A52503370F77}"/>
               </a:ext>
             </a:extLst>
           </p:cNvPr>
@@ -17670,7 +18590,7 @@
           <p:cNvPr id="5" name="TextBox 4">
             <a:extLst>
               <a:ext uri="{FF2B5EF4-FFF2-40B4-BE49-F238E27FC236}">
-                <a16:creationId xmlns:a16="http://schemas.microsoft.com/office/drawing/2014/main" xmlns="" id="{04C172CD-A494-38A8-CE64-C1D4FED18656}"/>
+                <a16:creationId xmlns="" xmlns:a16="http://schemas.microsoft.com/office/drawing/2014/main" id="{04C172CD-A494-38A8-CE64-C1D4FED18656}"/>
               </a:ext>
             </a:extLst>
           </p:cNvPr>
@@ -17706,7 +18626,11 @@
           </a:lstStyle>
           <a:p>
             <a:r>
-              <a:rPr lang="en-US" dirty="0"/>
+              <a:rPr lang="en-US" dirty="0">
+                <a:solidFill>
+                  <a:srgbClr val="00B050"/>
+                </a:solidFill>
+              </a:rPr>
               <a:t>Summary</a:t>
             </a:r>
           </a:p>
@@ -17858,7 +18782,7 @@
           <p:cNvPr id="5" name="مربع نص 1">
             <a:extLst>
               <a:ext uri="{FF2B5EF4-FFF2-40B4-BE49-F238E27FC236}">
-                <a16:creationId xmlns:a16="http://schemas.microsoft.com/office/drawing/2014/main" xmlns="" id="{7711DB52-DA0E-C95D-DFAF-CCC7BD2BE49D}"/>
+                <a16:creationId xmlns="" xmlns:a16="http://schemas.microsoft.com/office/drawing/2014/main" id="{7711DB52-DA0E-C95D-DFAF-CCC7BD2BE49D}"/>
               </a:ext>
             </a:extLst>
           </p:cNvPr>
@@ -17903,7 +18827,7 @@
           <p:cNvPr id="6" name="TextBox 5">
             <a:extLst>
               <a:ext uri="{FF2B5EF4-FFF2-40B4-BE49-F238E27FC236}">
-                <a16:creationId xmlns:a16="http://schemas.microsoft.com/office/drawing/2014/main" xmlns="" id="{34183D16-35EC-852C-6B9E-C6ED3DBFD9D3}"/>
+                <a16:creationId xmlns="" xmlns:a16="http://schemas.microsoft.com/office/drawing/2014/main" id="{34183D16-35EC-852C-6B9E-C6ED3DBFD9D3}"/>
               </a:ext>
             </a:extLst>
           </p:cNvPr>
@@ -18001,7 +18925,7 @@
           <p:cNvPr id="7" name="TextBox 6">
             <a:extLst>
               <a:ext uri="{FF2B5EF4-FFF2-40B4-BE49-F238E27FC236}">
-                <a16:creationId xmlns:a16="http://schemas.microsoft.com/office/drawing/2014/main" xmlns="" id="{B66F6C66-435D-19C9-753E-FB43FE2E13B8}"/>
+                <a16:creationId xmlns="" xmlns:a16="http://schemas.microsoft.com/office/drawing/2014/main" id="{B66F6C66-435D-19C9-753E-FB43FE2E13B8}"/>
               </a:ext>
             </a:extLst>
           </p:cNvPr>
@@ -18051,7 +18975,7 @@
           <p:cNvPr id="9" name="مربع نص 1">
             <a:extLst>
               <a:ext uri="{FF2B5EF4-FFF2-40B4-BE49-F238E27FC236}">
-                <a16:creationId xmlns:a16="http://schemas.microsoft.com/office/drawing/2014/main" xmlns="" id="{C21C7ED3-9CF9-F6A0-18E3-82DF544CCBB4}"/>
+                <a16:creationId xmlns="" xmlns:a16="http://schemas.microsoft.com/office/drawing/2014/main" id="{C21C7ED3-9CF9-F6A0-18E3-82DF544CCBB4}"/>
               </a:ext>
             </a:extLst>
           </p:cNvPr>
@@ -18540,7 +19464,7 @@
           <p:cNvPr id="3" name="Rectangle: Rounded Corners 2">
             <a:extLst>
               <a:ext uri="{FF2B5EF4-FFF2-40B4-BE49-F238E27FC236}">
-                <a16:creationId xmlns:a16="http://schemas.microsoft.com/office/drawing/2014/main" xmlns="" id="{E4101295-4D1C-A870-7F1A-E881ECCC53D2}"/>
+                <a16:creationId xmlns="" xmlns:a16="http://schemas.microsoft.com/office/drawing/2014/main" id="{E4101295-4D1C-A870-7F1A-E881ECCC53D2}"/>
               </a:ext>
             </a:extLst>
           </p:cNvPr>
@@ -18633,6 +19557,605 @@
       </p:grpSpPr>
       <p:sp>
         <p:nvSpPr>
+          <p:cNvPr id="13" name="Rectangle 12"/>
+          <p:cNvSpPr/>
+          <p:nvPr/>
+        </p:nvSpPr>
+        <p:spPr>
+          <a:xfrm>
+            <a:off x="7132320" y="3030370"/>
+            <a:ext cx="3742359" cy="560446"/>
+          </a:xfrm>
+          <a:prstGeom prst="rect">
+            <a:avLst/>
+          </a:prstGeom>
+        </p:spPr>
+        <p:style>
+          <a:lnRef idx="1">
+            <a:schemeClr val="accent3"/>
+          </a:lnRef>
+          <a:fillRef idx="3">
+            <a:schemeClr val="accent3"/>
+          </a:fillRef>
+          <a:effectRef idx="2">
+            <a:schemeClr val="accent3"/>
+          </a:effectRef>
+          <a:fontRef idx="minor">
+            <a:schemeClr val="lt1"/>
+          </a:fontRef>
+        </p:style>
+        <p:txBody>
+          <a:bodyPr rtlCol="0" anchor="ctr"/>
+          <a:lstStyle/>
+          <a:p>
+            <a:pPr algn="ctr"/>
+            <a:endParaRPr lang="en-US"/>
+          </a:p>
+        </p:txBody>
+      </p:sp>
+      <p:sp>
+        <p:nvSpPr>
+          <p:cNvPr id="5" name="Rectangle 4"/>
+          <p:cNvSpPr/>
+          <p:nvPr/>
+        </p:nvSpPr>
+        <p:spPr>
+          <a:xfrm>
+            <a:off x="1063817" y="3022383"/>
+            <a:ext cx="3742359" cy="560446"/>
+          </a:xfrm>
+          <a:prstGeom prst="rect">
+            <a:avLst/>
+          </a:prstGeom>
+        </p:spPr>
+        <p:style>
+          <a:lnRef idx="1">
+            <a:schemeClr val="accent1"/>
+          </a:lnRef>
+          <a:fillRef idx="3">
+            <a:schemeClr val="accent1"/>
+          </a:fillRef>
+          <a:effectRef idx="2">
+            <a:schemeClr val="accent1"/>
+          </a:effectRef>
+          <a:fontRef idx="minor">
+            <a:schemeClr val="lt1"/>
+          </a:fontRef>
+        </p:style>
+        <p:txBody>
+          <a:bodyPr rtlCol="0" anchor="ctr"/>
+          <a:lstStyle/>
+          <a:p>
+            <a:pPr algn="ctr"/>
+            <a:endParaRPr lang="en-US"/>
+          </a:p>
+        </p:txBody>
+      </p:sp>
+      <p:sp>
+        <p:nvSpPr>
+          <p:cNvPr id="9" name="Rectangle 8"/>
+          <p:cNvSpPr/>
+          <p:nvPr/>
+        </p:nvSpPr>
+        <p:spPr>
+          <a:xfrm>
+            <a:off x="572527" y="1233304"/>
+            <a:ext cx="11557831" cy="1685783"/>
+          </a:xfrm>
+          <a:prstGeom prst="rect">
+            <a:avLst/>
+          </a:prstGeom>
+        </p:spPr>
+        <p:txBody>
+          <a:bodyPr wrap="square">
+            <a:spAutoFit/>
+          </a:bodyPr>
+          <a:lstStyle/>
+          <a:p>
+            <a:pPr algn="just">
+              <a:lnSpc>
+                <a:spcPct val="150000"/>
+              </a:lnSpc>
+            </a:pPr>
+            <a:r>
+              <a:rPr lang="en-US" sz="2400" dirty="0">
+                <a:latin typeface="Cambria" panose="02040503050406030204" pitchFamily="18" charset="0"/>
+              </a:rPr>
+              <a:t>When a voltage is switched on or off in an electrical circuit at a specified value of time </a:t>
+            </a:r>
+            <a:r>
+              <a:rPr lang="en-US" sz="2400" dirty="0">
+                <a:solidFill>
+                  <a:srgbClr val="FF0000"/>
+                </a:solidFill>
+                <a:latin typeface="Cambria" panose="02040503050406030204" pitchFamily="18" charset="0"/>
+              </a:rPr>
+              <a:t>t.</a:t>
+            </a:r>
+          </a:p>
+          <a:p>
+            <a:pPr algn="just">
+              <a:lnSpc>
+                <a:spcPct val="150000"/>
+              </a:lnSpc>
+            </a:pPr>
+            <a:r>
+              <a:rPr lang="en-US" sz="2400" dirty="0">
+                <a:latin typeface="Cambria" panose="02040503050406030204" pitchFamily="18" charset="0"/>
+              </a:rPr>
+              <a:t>The switching process can be described mathematically by the function called the Unit Step Function.</a:t>
+            </a:r>
+          </a:p>
+        </p:txBody>
+      </p:sp>
+      <p:sp>
+        <p:nvSpPr>
+          <p:cNvPr id="11" name="TextBox 10"/>
+          <p:cNvSpPr txBox="1"/>
+          <p:nvPr/>
+        </p:nvSpPr>
+        <p:spPr>
+          <a:xfrm>
+            <a:off x="572527" y="513470"/>
+            <a:ext cx="4517519" cy="707886"/>
+          </a:xfrm>
+          <a:prstGeom prst="rect">
+            <a:avLst/>
+          </a:prstGeom>
+          <a:noFill/>
+        </p:spPr>
+        <p:txBody>
+          <a:bodyPr wrap="none" rtlCol="0">
+            <a:spAutoFit/>
+          </a:bodyPr>
+          <a:lstStyle/>
+          <a:p>
+            <a:r>
+              <a:rPr lang="en-US" sz="4000" b="1" dirty="0">
+                <a:solidFill>
+                  <a:srgbClr val="00B050"/>
+                </a:solidFill>
+                <a:latin typeface="Cambria" panose="02040503050406030204" pitchFamily="18" charset="0"/>
+              </a:rPr>
+              <a:t>Unit Step Function</a:t>
+            </a:r>
+          </a:p>
+        </p:txBody>
+      </p:sp>
+      <p:pic>
+        <p:nvPicPr>
+          <p:cNvPr id="17" name="Picture 16"/>
+          <p:cNvPicPr>
+            <a:picLocks noChangeAspect="1"/>
+          </p:cNvPicPr>
+          <p:nvPr/>
+        </p:nvPicPr>
+        <p:blipFill>
+          <a:blip r:embed="rId3">
+            <a:extLst>
+              <a:ext uri="{28A0092B-C50C-407E-A947-70E740481C1C}">
+                <a14:useLocalDpi xmlns:a14="http://schemas.microsoft.com/office/drawing/2010/main" val="0"/>
+              </a:ext>
+            </a:extLst>
+          </a:blip>
+          <a:stretch>
+            <a:fillRect/>
+          </a:stretch>
+        </p:blipFill>
+        <p:spPr>
+          <a:xfrm>
+            <a:off x="572527" y="4034052"/>
+            <a:ext cx="4632519" cy="2310478"/>
+          </a:xfrm>
+          <a:prstGeom prst="rect">
+            <a:avLst/>
+          </a:prstGeom>
+        </p:spPr>
+      </p:pic>
+      <p:pic>
+        <p:nvPicPr>
+          <p:cNvPr id="18" name="Picture 17"/>
+          <p:cNvPicPr>
+            <a:picLocks noChangeAspect="1"/>
+          </p:cNvPicPr>
+          <p:nvPr/>
+        </p:nvPicPr>
+        <p:blipFill>
+          <a:blip r:embed="rId4">
+            <a:extLst>
+              <a:ext uri="{28A0092B-C50C-407E-A947-70E740481C1C}">
+                <a14:useLocalDpi xmlns:a14="http://schemas.microsoft.com/office/drawing/2010/main" val="0"/>
+              </a:ext>
+            </a:extLst>
+          </a:blip>
+          <a:stretch>
+            <a:fillRect/>
+          </a:stretch>
+        </p:blipFill>
+        <p:spPr>
+          <a:xfrm>
+            <a:off x="7132320" y="4034051"/>
+            <a:ext cx="4572000" cy="2310479"/>
+          </a:xfrm>
+          <a:prstGeom prst="rect">
+            <a:avLst/>
+          </a:prstGeom>
+        </p:spPr>
+      </p:pic>
+      <p:sp>
+        <p:nvSpPr>
+          <p:cNvPr id="2" name="Slide Number Placeholder 1"/>
+          <p:cNvSpPr>
+            <a:spLocks noGrp="1"/>
+          </p:cNvSpPr>
+          <p:nvPr>
+            <p:ph type="sldNum" sz="quarter" idx="7"/>
+          </p:nvPr>
+        </p:nvSpPr>
+        <p:spPr/>
+        <p:txBody>
+          <a:bodyPr/>
+          <a:lstStyle/>
+          <a:p>
+            <a:fld id="{539F810C-9DAB-49B2-B45C-341744954A16}" type="slidenum">
+              <a:rPr lang="en-GB" smtClean="0"/>
+              <a:t>7</a:t>
+            </a:fld>
+            <a:endParaRPr lang="en-GB"/>
+          </a:p>
+        </p:txBody>
+      </p:sp>
+      <mc:AlternateContent xmlns:mc="http://schemas.openxmlformats.org/markup-compatibility/2006">
+        <mc:Choice xmlns:a14="http://schemas.microsoft.com/office/drawing/2010/main" Requires="a14">
+          <p:sp>
+            <p:nvSpPr>
+              <p:cNvPr id="4" name="TextBox 3"/>
+              <p:cNvSpPr txBox="1"/>
+              <p:nvPr/>
+            </p:nvSpPr>
+            <p:spPr>
+              <a:xfrm>
+                <a:off x="1063817" y="3022383"/>
+                <a:ext cx="3534937" cy="552459"/>
+              </a:xfrm>
+              <a:prstGeom prst="rect">
+                <a:avLst/>
+              </a:prstGeom>
+              <a:noFill/>
+            </p:spPr>
+            <p:txBody>
+              <a:bodyPr wrap="square" rtlCol="0">
+                <a:spAutoFit/>
+              </a:bodyPr>
+              <a:lstStyle/>
+              <a:p>
+                <a:r>
+                  <a:rPr lang="en-US" dirty="0" smtClean="0"/>
+                  <a:t>Unit step function:  u(t) = </a:t>
+                </a:r>
+                <a14:m>
+                  <m:oMath xmlns:m="http://schemas.openxmlformats.org/officeDocument/2006/math">
+                    <m:d>
+                      <m:dPr>
+                        <m:begChr m:val="{"/>
+                        <m:endChr m:val=""/>
+                        <m:ctrlPr>
+                          <a:rPr lang="en-US" i="1" smtClean="0">
+                            <a:latin typeface="Cambria Math"/>
+                          </a:rPr>
+                        </m:ctrlPr>
+                      </m:dPr>
+                      <m:e>
+                        <m:eqArr>
+                          <m:eqArrPr>
+                            <m:ctrlPr>
+                              <a:rPr lang="en-US" i="1" smtClean="0">
+                                <a:latin typeface="Cambria Math"/>
+                              </a:rPr>
+                            </m:ctrlPr>
+                          </m:eqArrPr>
+                          <m:e>
+                            <m:r>
+                              <a:rPr lang="en-US" b="0" i="1" smtClean="0">
+                                <a:latin typeface="Cambria Math"/>
+                              </a:rPr>
+                              <m:t>1    </m:t>
+                            </m:r>
+                            <m:r>
+                              <a:rPr lang="en-US" b="0" i="1" smtClean="0">
+                                <a:latin typeface="Cambria Math"/>
+                              </a:rPr>
+                              <m:t>𝑡</m:t>
+                            </m:r>
+                            <m:r>
+                              <a:rPr lang="en-US" b="0" i="1" smtClean="0">
+                                <a:latin typeface="Cambria Math"/>
+                                <a:ea typeface="Cambria Math"/>
+                              </a:rPr>
+                              <m:t>≥0</m:t>
+                            </m:r>
+                          </m:e>
+                          <m:e>
+                            <m:r>
+                              <a:rPr lang="en-US" b="0" i="1" smtClean="0">
+                                <a:latin typeface="Cambria Math"/>
+                              </a:rPr>
+                              <m:t>0    </m:t>
+                            </m:r>
+                            <m:r>
+                              <a:rPr lang="en-US" b="0" i="1" smtClean="0">
+                                <a:latin typeface="Cambria Math"/>
+                              </a:rPr>
+                              <m:t>𝑡</m:t>
+                            </m:r>
+                            <m:r>
+                              <a:rPr lang="en-US" b="0" i="1" smtClean="0">
+                                <a:latin typeface="Cambria Math"/>
+                              </a:rPr>
+                              <m:t>&lt;0</m:t>
+                            </m:r>
+                          </m:e>
+                        </m:eqArr>
+                      </m:e>
+                    </m:d>
+                  </m:oMath>
+                </a14:m>
+                <a:endParaRPr lang="en-US" dirty="0"/>
+              </a:p>
+            </p:txBody>
+          </p:sp>
+        </mc:Choice>
+        <mc:Fallback>
+          <p:sp>
+            <p:nvSpPr>
+              <p:cNvPr id="4" name="TextBox 3"/>
+              <p:cNvSpPr txBox="1">
+                <a:spLocks noRot="1" noChangeAspect="1" noMove="1" noResize="1" noEditPoints="1" noAdjustHandles="1" noChangeArrowheads="1" noChangeShapeType="1" noTextEdit="1"/>
+              </p:cNvSpPr>
+              <p:nvPr/>
+            </p:nvSpPr>
+            <p:spPr>
+              <a:xfrm>
+                <a:off x="1063817" y="3022383"/>
+                <a:ext cx="3534937" cy="552459"/>
+              </a:xfrm>
+              <a:prstGeom prst="rect">
+                <a:avLst/>
+              </a:prstGeom>
+              <a:blipFill rotWithShape="1">
+                <a:blip r:embed="rId5"/>
+                <a:stretch>
+                  <a:fillRect l="-1554" b="-2222"/>
+                </a:stretch>
+              </a:blipFill>
+            </p:spPr>
+            <p:txBody>
+              <a:bodyPr/>
+              <a:lstStyle/>
+              <a:p>
+                <a:r>
+                  <a:rPr lang="en-US">
+                    <a:noFill/>
+                  </a:rPr>
+                  <a:t> </a:t>
+                </a:r>
+              </a:p>
+            </p:txBody>
+          </p:sp>
+        </mc:Fallback>
+      </mc:AlternateContent>
+      <mc:AlternateContent xmlns:mc="http://schemas.openxmlformats.org/markup-compatibility/2006">
+        <mc:Choice xmlns:a14="http://schemas.microsoft.com/office/drawing/2010/main" Requires="a14">
+          <p:sp>
+            <p:nvSpPr>
+              <p:cNvPr id="12" name="TextBox 11"/>
+              <p:cNvSpPr txBox="1"/>
+              <p:nvPr/>
+            </p:nvSpPr>
+            <p:spPr>
+              <a:xfrm>
+                <a:off x="7327086" y="3030370"/>
+                <a:ext cx="3534937" cy="552459"/>
+              </a:xfrm>
+              <a:prstGeom prst="rect">
+                <a:avLst/>
+              </a:prstGeom>
+              <a:noFill/>
+            </p:spPr>
+            <p:txBody>
+              <a:bodyPr wrap="square" rtlCol="0">
+                <a:spAutoFit/>
+              </a:bodyPr>
+              <a:lstStyle/>
+              <a:p>
+                <a:r>
+                  <a:rPr lang="en-US" dirty="0" smtClean="0"/>
+                  <a:t>Unit step function:  u(t) = </a:t>
+                </a:r>
+                <a14:m>
+                  <m:oMath xmlns:m="http://schemas.openxmlformats.org/officeDocument/2006/math">
+                    <m:d>
+                      <m:dPr>
+                        <m:begChr m:val="{"/>
+                        <m:endChr m:val=""/>
+                        <m:ctrlPr>
+                          <a:rPr lang="en-US" i="1" smtClean="0">
+                            <a:latin typeface="Cambria Math"/>
+                          </a:rPr>
+                        </m:ctrlPr>
+                      </m:dPr>
+                      <m:e>
+                        <m:eqArr>
+                          <m:eqArrPr>
+                            <m:ctrlPr>
+                              <a:rPr lang="en-US" i="1" smtClean="0">
+                                <a:latin typeface="Cambria Math"/>
+                              </a:rPr>
+                            </m:ctrlPr>
+                          </m:eqArrPr>
+                          <m:e>
+                            <m:r>
+                              <a:rPr lang="en-US" b="0" i="1" smtClean="0">
+                                <a:latin typeface="Cambria Math"/>
+                              </a:rPr>
+                              <m:t>1    </m:t>
+                            </m:r>
+                            <m:r>
+                              <a:rPr lang="en-US" b="0" i="1" smtClean="0">
+                                <a:latin typeface="Cambria Math"/>
+                              </a:rPr>
+                              <m:t>𝑡</m:t>
+                            </m:r>
+                            <m:r>
+                              <a:rPr lang="en-US" b="0" i="1" smtClean="0">
+                                <a:latin typeface="Cambria Math"/>
+                              </a:rPr>
+                              <m:t>&gt;0</m:t>
+                            </m:r>
+                          </m:e>
+                          <m:e>
+                            <m:r>
+                              <a:rPr lang="en-US" b="0" i="1" smtClean="0">
+                                <a:latin typeface="Cambria Math"/>
+                              </a:rPr>
+                              <m:t>0    </m:t>
+                            </m:r>
+                            <m:r>
+                              <a:rPr lang="en-US" b="0" i="1" smtClean="0">
+                                <a:latin typeface="Cambria Math"/>
+                              </a:rPr>
+                              <m:t>𝑡</m:t>
+                            </m:r>
+                            <m:r>
+                              <a:rPr lang="en-US" b="0" i="1" smtClean="0">
+                                <a:latin typeface="Cambria Math"/>
+                              </a:rPr>
+                              <m:t>&lt;0</m:t>
+                            </m:r>
+                          </m:e>
+                        </m:eqArr>
+                      </m:e>
+                    </m:d>
+                  </m:oMath>
+                </a14:m>
+                <a:endParaRPr lang="en-US" dirty="0"/>
+              </a:p>
+            </p:txBody>
+          </p:sp>
+        </mc:Choice>
+        <mc:Fallback>
+          <p:sp>
+            <p:nvSpPr>
+              <p:cNvPr id="12" name="TextBox 11"/>
+              <p:cNvSpPr txBox="1">
+                <a:spLocks noRot="1" noChangeAspect="1" noMove="1" noResize="1" noEditPoints="1" noAdjustHandles="1" noChangeArrowheads="1" noChangeShapeType="1" noTextEdit="1"/>
+              </p:cNvSpPr>
+              <p:nvPr/>
+            </p:nvSpPr>
+            <p:spPr>
+              <a:xfrm>
+                <a:off x="7327086" y="3030370"/>
+                <a:ext cx="3534937" cy="552459"/>
+              </a:xfrm>
+              <a:prstGeom prst="rect">
+                <a:avLst/>
+              </a:prstGeom>
+              <a:blipFill rotWithShape="1">
+                <a:blip r:embed="rId6"/>
+                <a:stretch>
+                  <a:fillRect l="-1552" b="-1099"/>
+                </a:stretch>
+              </a:blipFill>
+            </p:spPr>
+            <p:txBody>
+              <a:bodyPr/>
+              <a:lstStyle/>
+              <a:p>
+                <a:r>
+                  <a:rPr lang="en-US">
+                    <a:noFill/>
+                  </a:rPr>
+                  <a:t> </a:t>
+                </a:r>
+              </a:p>
+            </p:txBody>
+          </p:sp>
+        </mc:Fallback>
+      </mc:AlternateContent>
+      <p:sp>
+        <p:nvSpPr>
+          <p:cNvPr id="6" name="TextBox 5"/>
+          <p:cNvSpPr txBox="1"/>
+          <p:nvPr/>
+        </p:nvSpPr>
+        <p:spPr>
+          <a:xfrm>
+            <a:off x="713678" y="133815"/>
+            <a:ext cx="1438507" cy="379655"/>
+          </a:xfrm>
+          <a:prstGeom prst="rect">
+            <a:avLst/>
+          </a:prstGeom>
+          <a:noFill/>
+        </p:spPr>
+        <p:txBody>
+          <a:bodyPr wrap="square" rtlCol="0">
+            <a:spAutoFit/>
+          </a:bodyPr>
+          <a:lstStyle/>
+          <a:p>
+            <a:r>
+              <a:rPr lang="en-US" dirty="0" err="1" smtClean="0"/>
+              <a:t>salman</a:t>
+            </a:r>
+            <a:endParaRPr lang="en-US" dirty="0"/>
+          </a:p>
+        </p:txBody>
+      </p:sp>
+    </p:spTree>
+    <p:extLst>
+      <p:ext uri="{BB962C8B-B14F-4D97-AF65-F5344CB8AC3E}">
+        <p14:creationId xmlns:p14="http://schemas.microsoft.com/office/powerpoint/2010/main" val="3765257484"/>
+      </p:ext>
+    </p:extLst>
+  </p:cSld>
+  <p:clrMapOvr>
+    <a:masterClrMapping/>
+  </p:clrMapOvr>
+  <mc:AlternateContent xmlns:mc="http://schemas.openxmlformats.org/markup-compatibility/2006" xmlns:p14="http://schemas.microsoft.com/office/powerpoint/2010/main">
+    <mc:Choice Requires="p14">
+      <p:transition spd="slow" p14:dur="1400">
+        <p14:ripple/>
+      </p:transition>
+    </mc:Choice>
+    <mc:Fallback xmlns="">
+      <p:transition spd="slow">
+        <p:fade/>
+      </p:transition>
+    </mc:Fallback>
+  </mc:AlternateContent>
+</p:sld>
+</file>
+
+<file path=ppt/slides/slide8.xml><?xml version="1.0" encoding="utf-8"?>
+<p:sld xmlns:a="http://schemas.openxmlformats.org/drawingml/2006/main" xmlns:r="http://schemas.openxmlformats.org/officeDocument/2006/relationships" xmlns:p="http://schemas.openxmlformats.org/presentationml/2006/main">
+  <p:cSld>
+    <p:spTree>
+      <p:nvGrpSpPr>
+        <p:cNvPr id="1" name=""/>
+        <p:cNvGrpSpPr/>
+        <p:nvPr/>
+      </p:nvGrpSpPr>
+      <p:grpSpPr>
+        <a:xfrm>
+          <a:off x="0" y="0"/>
+          <a:ext cx="0" cy="0"/>
+          <a:chOff x="0" y="0"/>
+          <a:chExt cx="0" cy="0"/>
+        </a:xfrm>
+      </p:grpSpPr>
+      <p:sp>
+        <p:nvSpPr>
           <p:cNvPr id="2" name="TextBox 1"/>
           <p:cNvSpPr txBox="1"/>
           <p:nvPr/>
@@ -18640,7 +20163,7 @@
         <p:spPr>
           <a:xfrm>
             <a:off x="724729" y="539020"/>
-            <a:ext cx="3675302" cy="523220"/>
+            <a:ext cx="5169364" cy="707886"/>
           </a:xfrm>
           <a:prstGeom prst="rect">
             <a:avLst/>
@@ -18666,10 +20189,18 @@
           </a:lstStyle>
           <a:p>
             <a:r>
-              <a:rPr lang="en-US" dirty="0"/>
+              <a:rPr lang="en-US" dirty="0">
+                <a:solidFill>
+                  <a:srgbClr val="00B050"/>
+                </a:solidFill>
+              </a:rPr>
               <a:t>Shifted Step Function</a:t>
             </a:r>
-            <a:endParaRPr lang="ar-EG" dirty="0"/>
+            <a:endParaRPr lang="ar-EG" dirty="0">
+              <a:solidFill>
+                <a:srgbClr val="00B050"/>
+              </a:solidFill>
+            </a:endParaRPr>
           </a:p>
         </p:txBody>
       </p:sp>
@@ -18762,7 +20293,7 @@
           <a:p>
             <a:fld id="{539F810C-9DAB-49B2-B45C-341744954A16}" type="slidenum">
               <a:rPr lang="en-GB" smtClean="0"/>
-              <a:t>7</a:t>
+              <a:t>8</a:t>
             </a:fld>
             <a:endParaRPr lang="en-GB"/>
           </a:p>
@@ -18773,7 +20304,7 @@
           <p:cNvPr id="16" name="Group 15">
             <a:extLst>
               <a:ext uri="{FF2B5EF4-FFF2-40B4-BE49-F238E27FC236}">
-                <a16:creationId xmlns:a16="http://schemas.microsoft.com/office/drawing/2014/main" xmlns="" id="{A8786D6B-C9C3-6EB9-C505-AE0A80EEC985}"/>
+                <a16:creationId xmlns="" xmlns:a16="http://schemas.microsoft.com/office/drawing/2014/main" id="{A8786D6B-C9C3-6EB9-C505-AE0A80EEC985}"/>
               </a:ext>
             </a:extLst>
           </p:cNvPr>
@@ -18895,7 +20426,7 @@
             <p:cNvPr id="4" name="Arrow: Right 3">
               <a:extLst>
                 <a:ext uri="{FF2B5EF4-FFF2-40B4-BE49-F238E27FC236}">
-                  <a16:creationId xmlns:a16="http://schemas.microsoft.com/office/drawing/2014/main" xmlns="" id="{F00136D0-CE12-3376-4F1D-175D2D1D25E5}"/>
+                  <a16:creationId xmlns="" xmlns:a16="http://schemas.microsoft.com/office/drawing/2014/main" id="{F00136D0-CE12-3376-4F1D-175D2D1D25E5}"/>
                 </a:ext>
               </a:extLst>
             </p:cNvPr>
@@ -18950,7 +20481,7 @@
           <p:cNvPr id="10" name="Group 9">
             <a:extLst>
               <a:ext uri="{FF2B5EF4-FFF2-40B4-BE49-F238E27FC236}">
-                <a16:creationId xmlns:a16="http://schemas.microsoft.com/office/drawing/2014/main" xmlns="" id="{703DE303-43D0-71AA-964B-FC34CCB917FA}"/>
+                <a16:creationId xmlns="" xmlns:a16="http://schemas.microsoft.com/office/drawing/2014/main" id="{703DE303-43D0-71AA-964B-FC34CCB917FA}"/>
               </a:ext>
             </a:extLst>
           </p:cNvPr>
@@ -19072,7 +20603,7 @@
             <p:cNvPr id="6" name="Arrow: Right 5">
               <a:extLst>
                 <a:ext uri="{FF2B5EF4-FFF2-40B4-BE49-F238E27FC236}">
-                  <a16:creationId xmlns:a16="http://schemas.microsoft.com/office/drawing/2014/main" xmlns="" id="{6CB3E815-D72D-EF4E-4A2F-CF6D194423E1}"/>
+                  <a16:creationId xmlns="" xmlns:a16="http://schemas.microsoft.com/office/drawing/2014/main" id="{6CB3E815-D72D-EF4E-4A2F-CF6D194423E1}"/>
                 </a:ext>
               </a:extLst>
             </p:cNvPr>
@@ -19135,7 +20666,7 @@
 </p:sld>
 </file>
 
-<file path=ppt/slides/slide8.xml><?xml version="1.0" encoding="utf-8"?>
+<file path=ppt/slides/slide9.xml><?xml version="1.0" encoding="utf-8"?>
 <p:sld xmlns:a="http://schemas.openxmlformats.org/drawingml/2006/main" xmlns:r="http://schemas.openxmlformats.org/officeDocument/2006/relationships" xmlns:p="http://schemas.openxmlformats.org/presentationml/2006/main">
   <p:cSld>
     <p:spTree>
@@ -19187,7 +20718,11 @@
           </a:lstStyle>
           <a:p>
             <a:r>
-              <a:rPr lang="en-US" dirty="0"/>
+              <a:rPr lang="en-US" dirty="0">
+                <a:solidFill>
+                  <a:srgbClr val="00B050"/>
+                </a:solidFill>
+              </a:rPr>
               <a:t>Example</a:t>
             </a:r>
           </a:p>
@@ -19486,7 +21021,7 @@
           <a:p>
             <a:fld id="{539F810C-9DAB-49B2-B45C-341744954A16}" type="slidenum">
               <a:rPr lang="en-GB" smtClean="0"/>
-              <a:t>8</a:t>
+              <a:t>9</a:t>
             </a:fld>
             <a:endParaRPr lang="en-GB"/>
           </a:p>
@@ -19497,7 +21032,7 @@
           <p:cNvPr id="9" name="Picture 8">
             <a:extLst>
               <a:ext uri="{FF2B5EF4-FFF2-40B4-BE49-F238E27FC236}">
-                <a16:creationId xmlns:a16="http://schemas.microsoft.com/office/drawing/2014/main" xmlns="" id="{0A1E20A4-7CDD-8D91-583E-DEC0D7AD2BB9}"/>
+                <a16:creationId xmlns="" xmlns:a16="http://schemas.microsoft.com/office/drawing/2014/main" id="{0A1E20A4-7CDD-8D91-583E-DEC0D7AD2BB9}"/>
               </a:ext>
             </a:extLst>
           </p:cNvPr>
@@ -19656,200 +21191,6 @@
       <p:bldP spid="5" grpId="0" animBg="1"/>
     </p:bldLst>
   </p:timing>
-</p:sld>
-</file>
-
-<file path=ppt/slides/slide9.xml><?xml version="1.0" encoding="utf-8"?>
-<p:sld xmlns:a="http://schemas.openxmlformats.org/drawingml/2006/main" xmlns:r="http://schemas.openxmlformats.org/officeDocument/2006/relationships" xmlns:p="http://schemas.openxmlformats.org/presentationml/2006/main">
-  <p:cSld>
-    <p:spTree>
-      <p:nvGrpSpPr>
-        <p:cNvPr id="1" name=""/>
-        <p:cNvGrpSpPr/>
-        <p:nvPr/>
-      </p:nvGrpSpPr>
-      <p:grpSpPr>
-        <a:xfrm>
-          <a:off x="0" y="0"/>
-          <a:ext cx="0" cy="0"/>
-          <a:chOff x="0" y="0"/>
-          <a:chExt cx="0" cy="0"/>
-        </a:xfrm>
-      </p:grpSpPr>
-      <p:sp>
-        <p:nvSpPr>
-          <p:cNvPr id="7" name="TextBox 6"/>
-          <p:cNvSpPr txBox="1"/>
-          <p:nvPr/>
-        </p:nvSpPr>
-        <p:spPr>
-          <a:xfrm>
-            <a:off x="908714" y="646061"/>
-            <a:ext cx="5306196" cy="707886"/>
-          </a:xfrm>
-          <a:prstGeom prst="rect">
-            <a:avLst/>
-          </a:prstGeom>
-          <a:noFill/>
-        </p:spPr>
-        <p:txBody>
-          <a:bodyPr wrap="none" rtlCol="0">
-            <a:spAutoFit/>
-          </a:bodyPr>
-          <a:lstStyle>
-            <a:defPPr>
-              <a:defRPr lang="en-US"/>
-            </a:defPPr>
-            <a:lvl1pPr>
-              <a:defRPr sz="4000" b="1">
-                <a:solidFill>
-                  <a:srgbClr val="0000FF"/>
-                </a:solidFill>
-                <a:latin typeface="Cambria" panose="02040503050406030204" pitchFamily="18" charset="0"/>
-              </a:defRPr>
-            </a:lvl1pPr>
-          </a:lstStyle>
-          <a:p>
-            <a:r>
-              <a:rPr lang="en-US" dirty="0"/>
-              <a:t>Flipped Step Function</a:t>
-            </a:r>
-            <a:endParaRPr lang="ar-EG" dirty="0"/>
-          </a:p>
-        </p:txBody>
-      </p:sp>
-      <p:pic>
-        <p:nvPicPr>
-          <p:cNvPr id="11" name="Picture 10"/>
-          <p:cNvPicPr>
-            <a:picLocks noChangeAspect="1"/>
-          </p:cNvPicPr>
-          <p:nvPr/>
-        </p:nvPicPr>
-        <p:blipFill>
-          <a:blip r:embed="rId2" cstate="print">
-            <a:extLst>
-              <a:ext uri="{28A0092B-C50C-407E-A947-70E740481C1C}">
-                <a14:useLocalDpi xmlns:a14="http://schemas.microsoft.com/office/drawing/2010/main" val="0"/>
-              </a:ext>
-            </a:extLst>
-          </a:blip>
-          <a:stretch>
-            <a:fillRect/>
-          </a:stretch>
-        </p:blipFill>
-        <p:spPr>
-          <a:xfrm>
-            <a:off x="3702493" y="3238526"/>
-            <a:ext cx="5248764" cy="3250216"/>
-          </a:xfrm>
-          <a:prstGeom prst="rect">
-            <a:avLst/>
-          </a:prstGeom>
-        </p:spPr>
-      </p:pic>
-      <p:sp>
-        <p:nvSpPr>
-          <p:cNvPr id="6" name="Rectangle 5"/>
-          <p:cNvSpPr/>
-          <p:nvPr/>
-        </p:nvSpPr>
-        <p:spPr>
-          <a:xfrm>
-            <a:off x="790960" y="1472421"/>
-            <a:ext cx="9781099" cy="1293687"/>
-          </a:xfrm>
-          <a:prstGeom prst="rect">
-            <a:avLst/>
-          </a:prstGeom>
-        </p:spPr>
-        <p:txBody>
-          <a:bodyPr wrap="square">
-            <a:spAutoFit/>
-          </a:bodyPr>
-          <a:lstStyle/>
-          <a:p>
-            <a:pPr algn="ctr">
-              <a:lnSpc>
-                <a:spcPct val="150000"/>
-              </a:lnSpc>
-            </a:pPr>
-            <a:r>
-              <a:rPr lang="en-US" sz="2400" dirty="0">
-                <a:latin typeface="Cambria" panose="02040503050406030204" pitchFamily="18" charset="0"/>
-              </a:rPr>
-              <a:t>In flipped step function, the step takes on the value of unity for time </a:t>
-            </a:r>
-            <a:r>
-              <a:rPr lang="en-US" sz="2400" i="1" dirty="0" err="1">
-                <a:latin typeface="Cambria" panose="02040503050406030204" pitchFamily="18" charset="0"/>
-              </a:rPr>
-              <a:t>t≤T</a:t>
-            </a:r>
-            <a:r>
-              <a:rPr lang="en-US" sz="2400" dirty="0">
-                <a:latin typeface="Cambria" panose="02040503050406030204" pitchFamily="18" charset="0"/>
-              </a:rPr>
-              <a:t>. </a:t>
-            </a:r>
-          </a:p>
-          <a:p>
-            <a:pPr algn="ctr">
-              <a:lnSpc>
-                <a:spcPct val="150000"/>
-              </a:lnSpc>
-            </a:pPr>
-            <a:r>
-              <a:rPr lang="en-US" sz="3200" i="1" dirty="0">
-                <a:solidFill>
-                  <a:srgbClr val="6600CC"/>
-                </a:solidFill>
-                <a:latin typeface="Cambria" panose="02040503050406030204" pitchFamily="18" charset="0"/>
-              </a:rPr>
-              <a:t>f(t)=u(T-t)</a:t>
-            </a:r>
-            <a:endParaRPr lang="en-US" sz="2400" dirty="0">
-              <a:solidFill>
-                <a:srgbClr val="6600CC"/>
-              </a:solidFill>
-              <a:latin typeface="Cambria" panose="02040503050406030204" pitchFamily="18" charset="0"/>
-            </a:endParaRPr>
-          </a:p>
-        </p:txBody>
-      </p:sp>
-      <p:sp>
-        <p:nvSpPr>
-          <p:cNvPr id="2" name="Slide Number Placeholder 1"/>
-          <p:cNvSpPr>
-            <a:spLocks noGrp="1"/>
-          </p:cNvSpPr>
-          <p:nvPr>
-            <p:ph type="sldNum" sz="quarter" idx="7"/>
-          </p:nvPr>
-        </p:nvSpPr>
-        <p:spPr/>
-        <p:txBody>
-          <a:bodyPr/>
-          <a:lstStyle/>
-          <a:p>
-            <a:fld id="{539F810C-9DAB-49B2-B45C-341744954A16}" type="slidenum">
-              <a:rPr lang="en-GB" smtClean="0"/>
-              <a:t>9</a:t>
-            </a:fld>
-            <a:endParaRPr lang="en-GB"/>
-          </a:p>
-        </p:txBody>
-      </p:sp>
-    </p:spTree>
-    <p:extLst>
-      <p:ext uri="{BB962C8B-B14F-4D97-AF65-F5344CB8AC3E}">
-        <p14:creationId xmlns:p14="http://schemas.microsoft.com/office/powerpoint/2010/main" val="1899367075"/>
-      </p:ext>
-    </p:extLst>
-  </p:cSld>
-  <p:clrMapOvr>
-    <a:masterClrMapping/>
-  </p:clrMapOvr>
 </p:sld>
 </file>
 
@@ -20391,7 +21732,7 @@
   <a:extraClrSchemeLst/>
   <a:extLst>
     <a:ext uri="{05A4C25C-085E-4340-85A3-A5531E510DB2}">
-      <thm15:themeFamily xmlns:thm15="http://schemas.microsoft.com/office/thememl/2012/main" xmlns="" name="Office Theme" id="{62F939B6-93AF-4DB8-9C6B-D6C7DFDC589F}" vid="{4A3C46E8-61CC-4603-A589-7422A47A8E4A}"/>
+      <thm15:themeFamily xmlns="" xmlns:thm15="http://schemas.microsoft.com/office/thememl/2012/main" name="Office Theme" id="{62F939B6-93AF-4DB8-9C6B-D6C7DFDC589F}" vid="{4A3C46E8-61CC-4603-A589-7422A47A8E4A}"/>
     </a:ext>
   </a:extLst>
 </a:theme>
